--- a/figures/vortrag_qual_gis.pptx
+++ b/figures/vortrag_qual_gis.pptx
@@ -5,13 +5,20 @@
     <p:sldMasterId id="2147483648" r:id="rId1"/>
   </p:sldMasterIdLst>
   <p:notesMasterIdLst>
-    <p:notesMasterId r:id="rId6"/>
+    <p:notesMasterId r:id="rId13"/>
   </p:notesMasterIdLst>
   <p:sldIdLst>
     <p:sldId id="256" r:id="rId2"/>
     <p:sldId id="257" r:id="rId3"/>
     <p:sldId id="258" r:id="rId4"/>
     <p:sldId id="259" r:id="rId5"/>
+    <p:sldId id="265" r:id="rId6"/>
+    <p:sldId id="266" r:id="rId7"/>
+    <p:sldId id="260" r:id="rId8"/>
+    <p:sldId id="261" r:id="rId9"/>
+    <p:sldId id="262" r:id="rId10"/>
+    <p:sldId id="263" r:id="rId11"/>
+    <p:sldId id="264" r:id="rId12"/>
   </p:sldIdLst>
   <p:sldSz cx="12192000" cy="6858000"/>
   <p:notesSz cx="6858000" cy="9144000"/>
@@ -127,6 +134,10 @@
     </p:ext>
   </p:extLst>
 </p:presentation>
+</file>
+
+<file path=ppt/revisionInfo.xml><?xml version="1.0" encoding="utf-8"?>
+<p1510:revInfo xmlns:a="http://schemas.openxmlformats.org/drawingml/2006/main" xmlns:r="http://schemas.openxmlformats.org/officeDocument/2006/relationships" xmlns:p1510="http://schemas.microsoft.com/office/powerpoint/2015/10/main"/>
 </file>
 
 <file path=ppt/notesMasters/notesMaster1.xml><?xml version="1.0" encoding="utf-8"?>
@@ -553,6 +564,962 @@
     <p:extLst>
       <p:ext uri="{BB962C8B-B14F-4D97-AF65-F5344CB8AC3E}">
         <p14:creationId xmlns:p14="http://schemas.microsoft.com/office/powerpoint/2010/main" val="509793278"/>
+      </p:ext>
+    </p:extLst>
+  </p:cSld>
+  <p:clrMapOvr>
+    <a:masterClrMapping/>
+  </p:clrMapOvr>
+</p:notes>
+</file>
+
+<file path=ppt/notesSlides/notesSlide2.xml><?xml version="1.0" encoding="utf-8"?>
+<p:notes xmlns:a="http://schemas.openxmlformats.org/drawingml/2006/main" xmlns:r="http://schemas.openxmlformats.org/officeDocument/2006/relationships" xmlns:p="http://schemas.openxmlformats.org/presentationml/2006/main">
+  <p:cSld>
+    <p:spTree>
+      <p:nvGrpSpPr>
+        <p:cNvPr id="1" name=""/>
+        <p:cNvGrpSpPr/>
+        <p:nvPr/>
+      </p:nvGrpSpPr>
+      <p:grpSpPr>
+        <a:xfrm>
+          <a:off x="0" y="0"/>
+          <a:ext cx="0" cy="0"/>
+          <a:chOff x="0" y="0"/>
+          <a:chExt cx="0" cy="0"/>
+        </a:xfrm>
+      </p:grpSpPr>
+      <p:sp>
+        <p:nvSpPr>
+          <p:cNvPr id="2" name="Folienbildplatzhalter 1"/>
+          <p:cNvSpPr>
+            <a:spLocks noGrp="1" noRot="1" noChangeAspect="1"/>
+          </p:cNvSpPr>
+          <p:nvPr>
+            <p:ph type="sldImg"/>
+          </p:nvPr>
+        </p:nvSpPr>
+        <p:spPr/>
+      </p:sp>
+      <p:sp>
+        <p:nvSpPr>
+          <p:cNvPr id="3" name="Notizenplatzhalter 2"/>
+          <p:cNvSpPr>
+            <a:spLocks noGrp="1"/>
+          </p:cNvSpPr>
+          <p:nvPr>
+            <p:ph type="body" idx="1"/>
+          </p:nvPr>
+        </p:nvSpPr>
+        <p:spPr/>
+        <p:txBody>
+          <a:bodyPr/>
+          <a:lstStyle/>
+          <a:p>
+            <a:pPr marL="171450" indent="-171450">
+              <a:buFontTx/>
+              <a:buChar char="-"/>
+            </a:pPr>
+            <a:r>
+              <a:rPr lang="en-GB" dirty="0" err="1"/>
+              <a:t>Kritische</a:t>
+            </a:r>
+            <a:r>
+              <a:rPr lang="en-GB" dirty="0"/>
+              <a:t> </a:t>
+            </a:r>
+            <a:r>
+              <a:rPr lang="en-GB" dirty="0" err="1"/>
+              <a:t>Sicht</a:t>
+            </a:r>
+            <a:r>
+              <a:rPr lang="en-GB" dirty="0"/>
+              <a:t> auf </a:t>
+            </a:r>
+            <a:r>
+              <a:rPr lang="en-GB" dirty="0" err="1"/>
+              <a:t>gis</a:t>
+            </a:r>
+            <a:r>
+              <a:rPr lang="en-GB" dirty="0"/>
+              <a:t> da </a:t>
+            </a:r>
+            <a:r>
+              <a:rPr lang="en-GB" dirty="0" err="1"/>
+              <a:t>militärisch</a:t>
+            </a:r>
+            <a:r>
+              <a:rPr lang="en-GB" dirty="0"/>
+              <a:t> </a:t>
+            </a:r>
+            <a:r>
+              <a:rPr lang="en-GB" dirty="0" err="1"/>
+              <a:t>genutzt</a:t>
+            </a:r>
+            <a:r>
+              <a:rPr lang="en-GB" dirty="0"/>
+              <a:t>, ins </a:t>
+            </a:r>
+            <a:r>
+              <a:rPr lang="en-GB" dirty="0" err="1"/>
+              <a:t>besonders</a:t>
+            </a:r>
+            <a:r>
+              <a:rPr lang="en-GB" dirty="0"/>
+              <a:t> quantitative </a:t>
+            </a:r>
+            <a:r>
+              <a:rPr lang="en-GB" dirty="0" err="1"/>
+              <a:t>methoden</a:t>
+            </a:r>
+            <a:r>
+              <a:rPr lang="en-GB" dirty="0"/>
+              <a:t> </a:t>
+            </a:r>
+            <a:r>
+              <a:rPr lang="en-GB" dirty="0" err="1"/>
+              <a:t>unterstützt</a:t>
+            </a:r>
+            <a:r>
+              <a:rPr lang="en-GB" dirty="0"/>
+              <a:t>, </a:t>
+            </a:r>
+            <a:r>
+              <a:rPr lang="en-GB" dirty="0" err="1"/>
+              <a:t>unreflektierte</a:t>
+            </a:r>
+            <a:r>
+              <a:rPr lang="en-GB" dirty="0"/>
+              <a:t> </a:t>
+            </a:r>
+            <a:r>
+              <a:rPr lang="en-GB" dirty="0" err="1"/>
+              <a:t>Verarbeitung</a:t>
+            </a:r>
+            <a:r>
+              <a:rPr lang="en-GB" dirty="0"/>
+              <a:t> der </a:t>
+            </a:r>
+            <a:r>
+              <a:rPr lang="en-GB" dirty="0" err="1"/>
+              <a:t>Daten</a:t>
+            </a:r>
+            <a:r>
+              <a:rPr lang="en-GB" dirty="0"/>
+              <a:t> (</a:t>
+            </a:r>
+            <a:r>
+              <a:rPr lang="en-GB" dirty="0" err="1"/>
+              <a:t>vor</a:t>
+            </a:r>
+            <a:r>
+              <a:rPr lang="en-GB" dirty="0"/>
+              <a:t> </a:t>
+            </a:r>
+            <a:r>
+              <a:rPr lang="en-GB" dirty="0" err="1"/>
+              <a:t>allem</a:t>
+            </a:r>
+            <a:r>
+              <a:rPr lang="en-GB" dirty="0"/>
+              <a:t> </a:t>
+            </a:r>
+            <a:r>
+              <a:rPr lang="en-GB" dirty="0" err="1"/>
+              <a:t>Daten</a:t>
+            </a:r>
+            <a:r>
+              <a:rPr lang="en-GB" dirty="0"/>
+              <a:t> </a:t>
+            </a:r>
+            <a:r>
+              <a:rPr lang="en-GB" dirty="0" err="1"/>
+              <a:t>getriebene</a:t>
+            </a:r>
+            <a:r>
+              <a:rPr lang="en-GB" dirty="0"/>
+              <a:t> </a:t>
+            </a:r>
+            <a:r>
+              <a:rPr lang="en-GB" dirty="0" err="1"/>
+              <a:t>Methoden</a:t>
+            </a:r>
+            <a:r>
+              <a:rPr lang="en-GB" dirty="0"/>
+              <a:t>, </a:t>
+            </a:r>
+            <a:r>
+              <a:rPr lang="en-GB" dirty="0" err="1"/>
+              <a:t>welcher</a:t>
+            </a:r>
+            <a:r>
+              <a:rPr lang="en-GB" dirty="0"/>
+              <a:t> </a:t>
+            </a:r>
+            <a:r>
+              <a:rPr lang="en-GB" dirty="0" err="1"/>
+              <a:t>qualitativen</a:t>
+            </a:r>
+            <a:r>
+              <a:rPr lang="en-GB" dirty="0"/>
+              <a:t> </a:t>
+            </a:r>
+            <a:r>
+              <a:rPr lang="en-GB" dirty="0" err="1"/>
+              <a:t>forschung</a:t>
+            </a:r>
+            <a:r>
+              <a:rPr lang="en-GB" dirty="0"/>
+              <a:t> oft </a:t>
+            </a:r>
+            <a:r>
+              <a:rPr lang="en-GB" dirty="0" err="1"/>
+              <a:t>nicht</a:t>
+            </a:r>
+            <a:r>
+              <a:rPr lang="en-GB" dirty="0"/>
+              <a:t> </a:t>
+            </a:r>
+            <a:r>
+              <a:rPr lang="en-GB" dirty="0" err="1"/>
+              <a:t>gerecht</a:t>
+            </a:r>
+            <a:r>
+              <a:rPr lang="en-GB" dirty="0"/>
+              <a:t> </a:t>
+            </a:r>
+            <a:r>
+              <a:rPr lang="en-GB" dirty="0" err="1"/>
+              <a:t>werden</a:t>
+            </a:r>
+            <a:r>
+              <a:rPr lang="en-GB" dirty="0"/>
+              <a:t>) </a:t>
+            </a:r>
+          </a:p>
+          <a:p>
+            <a:pPr marL="171450" indent="-171450">
+              <a:buFontTx/>
+              <a:buChar char="-"/>
+            </a:pPr>
+            <a:endParaRPr lang="en-GB" dirty="0"/>
+          </a:p>
+          <a:p>
+            <a:pPr marL="171450" indent="-171450">
+              <a:buFontTx/>
+              <a:buChar char="-"/>
+            </a:pPr>
+            <a:endParaRPr lang="en-GB" dirty="0"/>
+          </a:p>
+          <a:p>
+            <a:pPr marL="0" indent="0">
+              <a:buFontTx/>
+              <a:buNone/>
+            </a:pPr>
+            <a:r>
+              <a:rPr lang="en-GB" dirty="0" err="1"/>
+              <a:t>Vom</a:t>
+            </a:r>
+            <a:r>
+              <a:rPr lang="en-GB" dirty="0"/>
+              <a:t> </a:t>
+            </a:r>
+            <a:r>
+              <a:rPr lang="en-GB" dirty="0" err="1"/>
+              <a:t>kritischen</a:t>
+            </a:r>
+            <a:r>
+              <a:rPr lang="en-GB" dirty="0"/>
+              <a:t> </a:t>
+            </a:r>
+            <a:r>
+              <a:rPr lang="en-GB" dirty="0" err="1"/>
+              <a:t>Gegenspieler</a:t>
+            </a:r>
+            <a:r>
+              <a:rPr lang="en-GB" dirty="0"/>
+              <a:t> </a:t>
+            </a:r>
+            <a:r>
+              <a:rPr lang="en-GB" dirty="0" err="1"/>
+              <a:t>zum</a:t>
+            </a:r>
+            <a:r>
+              <a:rPr lang="en-GB" dirty="0"/>
+              <a:t> </a:t>
+            </a:r>
+            <a:r>
+              <a:rPr lang="en-GB" dirty="0" err="1"/>
+              <a:t>mitspieler</a:t>
+            </a:r>
+            <a:endParaRPr lang="en-GB" dirty="0"/>
+          </a:p>
+          <a:p>
+            <a:pPr marL="171450" indent="-171450">
+              <a:buFontTx/>
+              <a:buChar char="-"/>
+            </a:pPr>
+            <a:r>
+              <a:rPr lang="en-GB" sz="1200" kern="1200" dirty="0">
+                <a:solidFill>
+                  <a:schemeClr val="tx1"/>
+                </a:solidFill>
+                <a:effectLst/>
+                <a:latin typeface="+mn-lt"/>
+                <a:ea typeface="+mn-ea"/>
+                <a:cs typeface="+mn-cs"/>
+              </a:rPr>
+              <a:t>capacity to share, manage, analyse, and visualize large spatial data </a:t>
+            </a:r>
+          </a:p>
+          <a:p>
+            <a:pPr marL="171450" indent="-171450">
+              <a:buFontTx/>
+              <a:buChar char="-"/>
+            </a:pPr>
+            <a:r>
+              <a:rPr lang="en-GB" sz="1200" kern="1200" dirty="0">
+                <a:solidFill>
+                  <a:schemeClr val="tx1"/>
+                </a:solidFill>
+                <a:effectLst/>
+                <a:latin typeface="+mn-lt"/>
+                <a:ea typeface="+mn-ea"/>
+                <a:cs typeface="+mn-cs"/>
+              </a:rPr>
+              <a:t>GIS influences social and political decision-making</a:t>
+            </a:r>
+          </a:p>
+          <a:p>
+            <a:pPr marL="0" indent="0">
+              <a:buFontTx/>
+              <a:buNone/>
+            </a:pPr>
+            <a:endParaRPr lang="en-GB" sz="1200" kern="1200" dirty="0">
+              <a:solidFill>
+                <a:schemeClr val="tx1"/>
+              </a:solidFill>
+              <a:effectLst/>
+              <a:latin typeface="+mn-lt"/>
+              <a:ea typeface="+mn-ea"/>
+              <a:cs typeface="+mn-cs"/>
+            </a:endParaRPr>
+          </a:p>
+          <a:p>
+            <a:pPr marL="171450" indent="-171450">
+              <a:buFontTx/>
+              <a:buChar char="-"/>
+            </a:pPr>
+            <a:r>
+              <a:rPr lang="en-GB" sz="1200" kern="1200" dirty="0">
+                <a:solidFill>
+                  <a:schemeClr val="tx1"/>
+                </a:solidFill>
+                <a:effectLst/>
+                <a:latin typeface="+mn-lt"/>
+                <a:ea typeface="+mn-ea"/>
+                <a:cs typeface="+mn-cs"/>
+              </a:rPr>
+              <a:t>VGI and PGIS </a:t>
+            </a:r>
+            <a:r>
+              <a:rPr lang="en-GB" sz="1200" kern="1200" dirty="0">
+                <a:solidFill>
+                  <a:schemeClr val="tx1"/>
+                </a:solidFill>
+                <a:effectLst/>
+                <a:latin typeface="+mn-lt"/>
+                <a:ea typeface="+mn-ea"/>
+                <a:cs typeface="+mn-cs"/>
+                <a:sym typeface="Wingdings" panose="05000000000000000000" pitchFamily="2" charset="2"/>
+              </a:rPr>
+              <a:t> Web 2.0</a:t>
+            </a:r>
+            <a:endParaRPr lang="en-GB" sz="1200" kern="1200" dirty="0">
+              <a:solidFill>
+                <a:schemeClr val="tx1"/>
+              </a:solidFill>
+              <a:effectLst/>
+              <a:latin typeface="+mn-lt"/>
+              <a:ea typeface="+mn-ea"/>
+              <a:cs typeface="+mn-cs"/>
+            </a:endParaRPr>
+          </a:p>
+          <a:p>
+            <a:pPr marL="171450" indent="-171450">
+              <a:buFontTx/>
+              <a:buChar char="-"/>
+            </a:pPr>
+            <a:endParaRPr lang="en-GB" dirty="0"/>
+          </a:p>
+        </p:txBody>
+      </p:sp>
+      <p:sp>
+        <p:nvSpPr>
+          <p:cNvPr id="4" name="Foliennummernplatzhalter 3"/>
+          <p:cNvSpPr>
+            <a:spLocks noGrp="1"/>
+          </p:cNvSpPr>
+          <p:nvPr>
+            <p:ph type="sldNum" sz="quarter" idx="10"/>
+          </p:nvPr>
+        </p:nvSpPr>
+        <p:spPr/>
+        <p:txBody>
+          <a:bodyPr/>
+          <a:lstStyle/>
+          <a:p>
+            <a:fld id="{06421E1D-4275-499E-B0D8-364853585D3F}" type="slidenum">
+              <a:rPr lang="de-DE" smtClean="0"/>
+              <a:t>4</a:t>
+            </a:fld>
+            <a:endParaRPr lang="de-DE"/>
+          </a:p>
+        </p:txBody>
+      </p:sp>
+    </p:spTree>
+    <p:extLst>
+      <p:ext uri="{BB962C8B-B14F-4D97-AF65-F5344CB8AC3E}">
+        <p14:creationId xmlns:p14="http://schemas.microsoft.com/office/powerpoint/2010/main" val="3059447244"/>
+      </p:ext>
+    </p:extLst>
+  </p:cSld>
+  <p:clrMapOvr>
+    <a:masterClrMapping/>
+  </p:clrMapOvr>
+</p:notes>
+</file>
+
+<file path=ppt/notesSlides/notesSlide3.xml><?xml version="1.0" encoding="utf-8"?>
+<p:notes xmlns:a="http://schemas.openxmlformats.org/drawingml/2006/main" xmlns:r="http://schemas.openxmlformats.org/officeDocument/2006/relationships" xmlns:p="http://schemas.openxmlformats.org/presentationml/2006/main">
+  <p:cSld>
+    <p:spTree>
+      <p:nvGrpSpPr>
+        <p:cNvPr id="1" name=""/>
+        <p:cNvGrpSpPr/>
+        <p:nvPr/>
+      </p:nvGrpSpPr>
+      <p:grpSpPr>
+        <a:xfrm>
+          <a:off x="0" y="0"/>
+          <a:ext cx="0" cy="0"/>
+          <a:chOff x="0" y="0"/>
+          <a:chExt cx="0" cy="0"/>
+        </a:xfrm>
+      </p:grpSpPr>
+      <p:sp>
+        <p:nvSpPr>
+          <p:cNvPr id="2" name="Folienbildplatzhalter 1"/>
+          <p:cNvSpPr>
+            <a:spLocks noGrp="1" noRot="1" noChangeAspect="1"/>
+          </p:cNvSpPr>
+          <p:nvPr>
+            <p:ph type="sldImg"/>
+          </p:nvPr>
+        </p:nvSpPr>
+        <p:spPr/>
+      </p:sp>
+      <p:sp>
+        <p:nvSpPr>
+          <p:cNvPr id="3" name="Notizenplatzhalter 2"/>
+          <p:cNvSpPr>
+            <a:spLocks noGrp="1"/>
+          </p:cNvSpPr>
+          <p:nvPr>
+            <p:ph type="body" idx="1"/>
+          </p:nvPr>
+        </p:nvSpPr>
+        <p:spPr/>
+        <p:txBody>
+          <a:bodyPr/>
+          <a:lstStyle/>
+          <a:p>
+            <a:r>
+              <a:rPr lang="en-GB" dirty="0" err="1"/>
+              <a:t>Anwendung</a:t>
+            </a:r>
+            <a:r>
+              <a:rPr lang="en-GB" dirty="0"/>
+              <a:t> von qual. Und quant. </a:t>
+            </a:r>
+            <a:r>
+              <a:rPr lang="en-GB" dirty="0" err="1"/>
+              <a:t>Methoden</a:t>
+            </a:r>
+            <a:r>
+              <a:rPr lang="en-GB" dirty="0"/>
+              <a:t> </a:t>
+            </a:r>
+            <a:r>
+              <a:rPr lang="en-GB" dirty="0" err="1"/>
+              <a:t>innerhalb</a:t>
+            </a:r>
+            <a:r>
+              <a:rPr lang="en-GB" dirty="0"/>
+              <a:t> </a:t>
+            </a:r>
+            <a:r>
+              <a:rPr lang="en-GB" dirty="0" err="1"/>
+              <a:t>einer</a:t>
+            </a:r>
+            <a:r>
+              <a:rPr lang="en-GB" dirty="0"/>
+              <a:t> GIS-</a:t>
+            </a:r>
+            <a:r>
+              <a:rPr lang="en-GB" dirty="0" err="1"/>
+              <a:t>Struktur</a:t>
+            </a:r>
+            <a:endParaRPr lang="en-GB" dirty="0"/>
+          </a:p>
+        </p:txBody>
+      </p:sp>
+      <p:sp>
+        <p:nvSpPr>
+          <p:cNvPr id="4" name="Foliennummernplatzhalter 3"/>
+          <p:cNvSpPr>
+            <a:spLocks noGrp="1"/>
+          </p:cNvSpPr>
+          <p:nvPr>
+            <p:ph type="sldNum" sz="quarter" idx="10"/>
+          </p:nvPr>
+        </p:nvSpPr>
+        <p:spPr/>
+        <p:txBody>
+          <a:bodyPr/>
+          <a:lstStyle/>
+          <a:p>
+            <a:fld id="{06421E1D-4275-499E-B0D8-364853585D3F}" type="slidenum">
+              <a:rPr lang="de-DE" smtClean="0"/>
+              <a:t>5</a:t>
+            </a:fld>
+            <a:endParaRPr lang="de-DE"/>
+          </a:p>
+        </p:txBody>
+      </p:sp>
+    </p:spTree>
+    <p:extLst>
+      <p:ext uri="{BB962C8B-B14F-4D97-AF65-F5344CB8AC3E}">
+        <p14:creationId xmlns:p14="http://schemas.microsoft.com/office/powerpoint/2010/main" val="3105712950"/>
+      </p:ext>
+    </p:extLst>
+  </p:cSld>
+  <p:clrMapOvr>
+    <a:masterClrMapping/>
+  </p:clrMapOvr>
+</p:notes>
+</file>
+
+<file path=ppt/notesSlides/notesSlide4.xml><?xml version="1.0" encoding="utf-8"?>
+<p:notes xmlns:a="http://schemas.openxmlformats.org/drawingml/2006/main" xmlns:r="http://schemas.openxmlformats.org/officeDocument/2006/relationships" xmlns:p="http://schemas.openxmlformats.org/presentationml/2006/main">
+  <p:cSld>
+    <p:spTree>
+      <p:nvGrpSpPr>
+        <p:cNvPr id="1" name=""/>
+        <p:cNvGrpSpPr/>
+        <p:nvPr/>
+      </p:nvGrpSpPr>
+      <p:grpSpPr>
+        <a:xfrm>
+          <a:off x="0" y="0"/>
+          <a:ext cx="0" cy="0"/>
+          <a:chOff x="0" y="0"/>
+          <a:chExt cx="0" cy="0"/>
+        </a:xfrm>
+      </p:grpSpPr>
+      <p:sp>
+        <p:nvSpPr>
+          <p:cNvPr id="2" name="Folienbildplatzhalter 1"/>
+          <p:cNvSpPr>
+            <a:spLocks noGrp="1" noRot="1" noChangeAspect="1"/>
+          </p:cNvSpPr>
+          <p:nvPr>
+            <p:ph type="sldImg"/>
+          </p:nvPr>
+        </p:nvSpPr>
+        <p:spPr/>
+      </p:sp>
+      <p:sp>
+        <p:nvSpPr>
+          <p:cNvPr id="3" name="Notizenplatzhalter 2"/>
+          <p:cNvSpPr>
+            <a:spLocks noGrp="1"/>
+          </p:cNvSpPr>
+          <p:nvPr>
+            <p:ph type="body" idx="1"/>
+          </p:nvPr>
+        </p:nvSpPr>
+        <p:spPr/>
+        <p:txBody>
+          <a:bodyPr/>
+          <a:lstStyle/>
+          <a:p>
+            <a:pPr marL="171450" indent="-171450">
+              <a:buFontTx/>
+              <a:buChar char="-"/>
+            </a:pPr>
+            <a:r>
+              <a:rPr lang="en-GB" dirty="0" err="1"/>
+              <a:t>Kritische</a:t>
+            </a:r>
+            <a:r>
+              <a:rPr lang="en-GB" dirty="0"/>
+              <a:t> </a:t>
+            </a:r>
+            <a:r>
+              <a:rPr lang="en-GB" dirty="0" err="1"/>
+              <a:t>Sicht</a:t>
+            </a:r>
+            <a:r>
+              <a:rPr lang="en-GB" dirty="0"/>
+              <a:t> auf </a:t>
+            </a:r>
+            <a:r>
+              <a:rPr lang="en-GB" dirty="0" err="1"/>
+              <a:t>gis</a:t>
+            </a:r>
+            <a:r>
+              <a:rPr lang="en-GB" dirty="0"/>
+              <a:t> da </a:t>
+            </a:r>
+            <a:r>
+              <a:rPr lang="en-GB" dirty="0" err="1"/>
+              <a:t>militärisch</a:t>
+            </a:r>
+            <a:r>
+              <a:rPr lang="en-GB" dirty="0"/>
+              <a:t> </a:t>
+            </a:r>
+            <a:r>
+              <a:rPr lang="en-GB" dirty="0" err="1"/>
+              <a:t>genutzt</a:t>
+            </a:r>
+            <a:r>
+              <a:rPr lang="en-GB" dirty="0"/>
+              <a:t>, ins </a:t>
+            </a:r>
+            <a:r>
+              <a:rPr lang="en-GB" dirty="0" err="1"/>
+              <a:t>besonders</a:t>
+            </a:r>
+            <a:r>
+              <a:rPr lang="en-GB" dirty="0"/>
+              <a:t> quantitative </a:t>
+            </a:r>
+            <a:r>
+              <a:rPr lang="en-GB" dirty="0" err="1"/>
+              <a:t>methoden</a:t>
+            </a:r>
+            <a:r>
+              <a:rPr lang="en-GB" dirty="0"/>
+              <a:t> </a:t>
+            </a:r>
+            <a:r>
+              <a:rPr lang="en-GB" dirty="0" err="1"/>
+              <a:t>unterstützt</a:t>
+            </a:r>
+            <a:r>
+              <a:rPr lang="en-GB" dirty="0"/>
+              <a:t>, </a:t>
+            </a:r>
+            <a:r>
+              <a:rPr lang="en-GB" dirty="0" err="1"/>
+              <a:t>unreflektierte</a:t>
+            </a:r>
+            <a:r>
+              <a:rPr lang="en-GB" dirty="0"/>
+              <a:t> </a:t>
+            </a:r>
+            <a:r>
+              <a:rPr lang="en-GB" dirty="0" err="1"/>
+              <a:t>Verarbeitung</a:t>
+            </a:r>
+            <a:r>
+              <a:rPr lang="en-GB" dirty="0"/>
+              <a:t> der </a:t>
+            </a:r>
+            <a:r>
+              <a:rPr lang="en-GB" dirty="0" err="1"/>
+              <a:t>Daten</a:t>
+            </a:r>
+            <a:r>
+              <a:rPr lang="en-GB" dirty="0"/>
+              <a:t> (</a:t>
+            </a:r>
+            <a:r>
+              <a:rPr lang="en-GB" dirty="0" err="1"/>
+              <a:t>vor</a:t>
+            </a:r>
+            <a:r>
+              <a:rPr lang="en-GB" dirty="0"/>
+              <a:t> </a:t>
+            </a:r>
+            <a:r>
+              <a:rPr lang="en-GB" dirty="0" err="1"/>
+              <a:t>allem</a:t>
+            </a:r>
+            <a:r>
+              <a:rPr lang="en-GB" dirty="0"/>
+              <a:t> </a:t>
+            </a:r>
+            <a:r>
+              <a:rPr lang="en-GB" dirty="0" err="1"/>
+              <a:t>Daten</a:t>
+            </a:r>
+            <a:r>
+              <a:rPr lang="en-GB" dirty="0"/>
+              <a:t> </a:t>
+            </a:r>
+            <a:r>
+              <a:rPr lang="en-GB" dirty="0" err="1"/>
+              <a:t>getriebene</a:t>
+            </a:r>
+            <a:r>
+              <a:rPr lang="en-GB" dirty="0"/>
+              <a:t> </a:t>
+            </a:r>
+            <a:r>
+              <a:rPr lang="en-GB" dirty="0" err="1"/>
+              <a:t>Methoden</a:t>
+            </a:r>
+            <a:r>
+              <a:rPr lang="en-GB" dirty="0"/>
+              <a:t>, </a:t>
+            </a:r>
+            <a:r>
+              <a:rPr lang="en-GB" dirty="0" err="1"/>
+              <a:t>welcher</a:t>
+            </a:r>
+            <a:r>
+              <a:rPr lang="en-GB" dirty="0"/>
+              <a:t> </a:t>
+            </a:r>
+            <a:r>
+              <a:rPr lang="en-GB" dirty="0" err="1"/>
+              <a:t>qualitativen</a:t>
+            </a:r>
+            <a:r>
+              <a:rPr lang="en-GB" dirty="0"/>
+              <a:t> </a:t>
+            </a:r>
+            <a:r>
+              <a:rPr lang="en-GB" dirty="0" err="1"/>
+              <a:t>forschung</a:t>
+            </a:r>
+            <a:r>
+              <a:rPr lang="en-GB" dirty="0"/>
+              <a:t> oft </a:t>
+            </a:r>
+            <a:r>
+              <a:rPr lang="en-GB" dirty="0" err="1"/>
+              <a:t>nicht</a:t>
+            </a:r>
+            <a:r>
+              <a:rPr lang="en-GB" dirty="0"/>
+              <a:t> </a:t>
+            </a:r>
+            <a:r>
+              <a:rPr lang="en-GB" dirty="0" err="1"/>
+              <a:t>gerecht</a:t>
+            </a:r>
+            <a:r>
+              <a:rPr lang="en-GB" dirty="0"/>
+              <a:t> </a:t>
+            </a:r>
+            <a:r>
+              <a:rPr lang="en-GB" dirty="0" err="1"/>
+              <a:t>werden</a:t>
+            </a:r>
+            <a:r>
+              <a:rPr lang="en-GB" dirty="0"/>
+              <a:t>) </a:t>
+            </a:r>
+          </a:p>
+          <a:p>
+            <a:pPr marL="171450" indent="-171450">
+              <a:buFontTx/>
+              <a:buChar char="-"/>
+            </a:pPr>
+            <a:endParaRPr lang="en-GB" dirty="0"/>
+          </a:p>
+          <a:p>
+            <a:pPr marL="171450" indent="-171450">
+              <a:buFontTx/>
+              <a:buChar char="-"/>
+            </a:pPr>
+            <a:endParaRPr lang="en-GB" dirty="0"/>
+          </a:p>
+          <a:p>
+            <a:pPr marL="0" indent="0">
+              <a:buFontTx/>
+              <a:buNone/>
+            </a:pPr>
+            <a:r>
+              <a:rPr lang="en-GB" dirty="0" err="1"/>
+              <a:t>Vom</a:t>
+            </a:r>
+            <a:r>
+              <a:rPr lang="en-GB" dirty="0"/>
+              <a:t> </a:t>
+            </a:r>
+            <a:r>
+              <a:rPr lang="en-GB" dirty="0" err="1"/>
+              <a:t>kritischen</a:t>
+            </a:r>
+            <a:r>
+              <a:rPr lang="en-GB" dirty="0"/>
+              <a:t> </a:t>
+            </a:r>
+            <a:r>
+              <a:rPr lang="en-GB" dirty="0" err="1"/>
+              <a:t>Gegenspieler</a:t>
+            </a:r>
+            <a:r>
+              <a:rPr lang="en-GB" dirty="0"/>
+              <a:t> </a:t>
+            </a:r>
+            <a:r>
+              <a:rPr lang="en-GB" dirty="0" err="1"/>
+              <a:t>zum</a:t>
+            </a:r>
+            <a:r>
+              <a:rPr lang="en-GB" dirty="0"/>
+              <a:t> </a:t>
+            </a:r>
+            <a:r>
+              <a:rPr lang="en-GB" dirty="0" err="1"/>
+              <a:t>mitspieler</a:t>
+            </a:r>
+            <a:endParaRPr lang="en-GB" dirty="0"/>
+          </a:p>
+          <a:p>
+            <a:pPr marL="171450" indent="-171450">
+              <a:buFontTx/>
+              <a:buChar char="-"/>
+            </a:pPr>
+            <a:r>
+              <a:rPr lang="en-GB" sz="1200" kern="1200" dirty="0">
+                <a:solidFill>
+                  <a:schemeClr val="tx1"/>
+                </a:solidFill>
+                <a:effectLst/>
+                <a:latin typeface="+mn-lt"/>
+                <a:ea typeface="+mn-ea"/>
+                <a:cs typeface="+mn-cs"/>
+              </a:rPr>
+              <a:t>capacity to share, manage, analyse, and visualize large spatial data </a:t>
+            </a:r>
+          </a:p>
+          <a:p>
+            <a:pPr marL="171450" indent="-171450">
+              <a:buFontTx/>
+              <a:buChar char="-"/>
+            </a:pPr>
+            <a:r>
+              <a:rPr lang="en-GB" sz="1200" kern="1200" dirty="0">
+                <a:solidFill>
+                  <a:schemeClr val="tx1"/>
+                </a:solidFill>
+                <a:effectLst/>
+                <a:latin typeface="+mn-lt"/>
+                <a:ea typeface="+mn-ea"/>
+                <a:cs typeface="+mn-cs"/>
+              </a:rPr>
+              <a:t>GIS influences social and political decision-making</a:t>
+            </a:r>
+          </a:p>
+          <a:p>
+            <a:pPr marL="0" indent="0">
+              <a:buFontTx/>
+              <a:buNone/>
+            </a:pPr>
+            <a:endParaRPr lang="en-GB" sz="1200" kern="1200" dirty="0">
+              <a:solidFill>
+                <a:schemeClr val="tx1"/>
+              </a:solidFill>
+              <a:effectLst/>
+              <a:latin typeface="+mn-lt"/>
+              <a:ea typeface="+mn-ea"/>
+              <a:cs typeface="+mn-cs"/>
+            </a:endParaRPr>
+          </a:p>
+          <a:p>
+            <a:pPr marL="171450" indent="-171450">
+              <a:buFontTx/>
+              <a:buChar char="-"/>
+            </a:pPr>
+            <a:r>
+              <a:rPr lang="en-GB" sz="1200" kern="1200" dirty="0">
+                <a:solidFill>
+                  <a:schemeClr val="tx1"/>
+                </a:solidFill>
+                <a:effectLst/>
+                <a:latin typeface="+mn-lt"/>
+                <a:ea typeface="+mn-ea"/>
+                <a:cs typeface="+mn-cs"/>
+              </a:rPr>
+              <a:t>VGI and PGIS </a:t>
+            </a:r>
+            <a:r>
+              <a:rPr lang="en-GB" sz="1200" kern="1200" dirty="0">
+                <a:solidFill>
+                  <a:schemeClr val="tx1"/>
+                </a:solidFill>
+                <a:effectLst/>
+                <a:latin typeface="+mn-lt"/>
+                <a:ea typeface="+mn-ea"/>
+                <a:cs typeface="+mn-cs"/>
+                <a:sym typeface="Wingdings" panose="05000000000000000000" pitchFamily="2" charset="2"/>
+              </a:rPr>
+              <a:t> Web 2.0</a:t>
+            </a:r>
+            <a:endParaRPr lang="en-GB" sz="1200" kern="1200" dirty="0">
+              <a:solidFill>
+                <a:schemeClr val="tx1"/>
+              </a:solidFill>
+              <a:effectLst/>
+              <a:latin typeface="+mn-lt"/>
+              <a:ea typeface="+mn-ea"/>
+              <a:cs typeface="+mn-cs"/>
+            </a:endParaRPr>
+          </a:p>
+          <a:p>
+            <a:pPr marL="171450" indent="-171450">
+              <a:buFontTx/>
+              <a:buChar char="-"/>
+            </a:pPr>
+            <a:endParaRPr lang="en-GB" dirty="0"/>
+          </a:p>
+        </p:txBody>
+      </p:sp>
+      <p:sp>
+        <p:nvSpPr>
+          <p:cNvPr id="4" name="Foliennummernplatzhalter 3"/>
+          <p:cNvSpPr>
+            <a:spLocks noGrp="1"/>
+          </p:cNvSpPr>
+          <p:nvPr>
+            <p:ph type="sldNum" sz="quarter" idx="10"/>
+          </p:nvPr>
+        </p:nvSpPr>
+        <p:spPr/>
+        <p:txBody>
+          <a:bodyPr/>
+          <a:lstStyle/>
+          <a:p>
+            <a:fld id="{06421E1D-4275-499E-B0D8-364853585D3F}" type="slidenum">
+              <a:rPr lang="de-DE" smtClean="0"/>
+              <a:t>6</a:t>
+            </a:fld>
+            <a:endParaRPr lang="de-DE"/>
+          </a:p>
+        </p:txBody>
+      </p:sp>
+    </p:spTree>
+    <p:extLst>
+      <p:ext uri="{BB962C8B-B14F-4D97-AF65-F5344CB8AC3E}">
+        <p14:creationId xmlns:p14="http://schemas.microsoft.com/office/powerpoint/2010/main" val="921753469"/>
       </p:ext>
     </p:extLst>
   </p:cSld>
@@ -6546,13 +7513,8 @@
           <a:p>
             <a:r>
               <a:rPr lang="en-GB" dirty="0"/>
-              <a:t>Presentation: Eric </a:t>
-            </a:r>
-            <a:r>
-              <a:rPr lang="en-GB" dirty="0" err="1"/>
-              <a:t>KrUeger</a:t>
-            </a:r>
-            <a:endParaRPr lang="en-GB" dirty="0"/>
+              <a:t>Presentation: Eric Krüger</a:t>
+            </a:r>
           </a:p>
           <a:p>
             <a:r>
@@ -6575,6 +7537,230 @@
     <p:extLst>
       <p:ext uri="{BB962C8B-B14F-4D97-AF65-F5344CB8AC3E}">
         <p14:creationId xmlns:p14="http://schemas.microsoft.com/office/powerpoint/2010/main" val="1106831067"/>
+      </p:ext>
+    </p:extLst>
+  </p:cSld>
+  <p:clrMapOvr>
+    <a:masterClrMapping/>
+  </p:clrMapOvr>
+</p:sld>
+</file>
+
+<file path=ppt/slides/slide10.xml><?xml version="1.0" encoding="utf-8"?>
+<p:sld xmlns:a="http://schemas.openxmlformats.org/drawingml/2006/main" xmlns:r="http://schemas.openxmlformats.org/officeDocument/2006/relationships" xmlns:p="http://schemas.openxmlformats.org/presentationml/2006/main">
+  <p:cSld>
+    <p:spTree>
+      <p:nvGrpSpPr>
+        <p:cNvPr id="1" name=""/>
+        <p:cNvGrpSpPr/>
+        <p:nvPr/>
+      </p:nvGrpSpPr>
+      <p:grpSpPr>
+        <a:xfrm>
+          <a:off x="0" y="0"/>
+          <a:ext cx="0" cy="0"/>
+          <a:chOff x="0" y="0"/>
+          <a:chExt cx="0" cy="0"/>
+        </a:xfrm>
+      </p:grpSpPr>
+      <p:sp>
+        <p:nvSpPr>
+          <p:cNvPr id="2" name="Titel 1">
+            <a:extLst>
+              <a:ext uri="{FF2B5EF4-FFF2-40B4-BE49-F238E27FC236}">
+                <a16:creationId xmlns:a16="http://schemas.microsoft.com/office/drawing/2014/main" id="{8FBB6104-C7B5-4F16-93D2-F17144E9E054}"/>
+              </a:ext>
+            </a:extLst>
+          </p:cNvPr>
+          <p:cNvSpPr>
+            <a:spLocks noGrp="1"/>
+          </p:cNvSpPr>
+          <p:nvPr>
+            <p:ph type="title"/>
+          </p:nvPr>
+        </p:nvSpPr>
+        <p:spPr/>
+        <p:txBody>
+          <a:bodyPr/>
+          <a:lstStyle/>
+          <a:p>
+            <a:r>
+              <a:rPr lang="en-GB" dirty="0"/>
+              <a:t>Discussion</a:t>
+            </a:r>
+          </a:p>
+        </p:txBody>
+      </p:sp>
+      <p:sp>
+        <p:nvSpPr>
+          <p:cNvPr id="3" name="Inhaltsplatzhalter 2">
+            <a:extLst>
+              <a:ext uri="{FF2B5EF4-FFF2-40B4-BE49-F238E27FC236}">
+                <a16:creationId xmlns:a16="http://schemas.microsoft.com/office/drawing/2014/main" id="{9E9CE1B8-6BE1-4077-A8EF-DBF96BF4A845}"/>
+              </a:ext>
+            </a:extLst>
+          </p:cNvPr>
+          <p:cNvSpPr>
+            <a:spLocks noGrp="1"/>
+          </p:cNvSpPr>
+          <p:nvPr>
+            <p:ph idx="1"/>
+          </p:nvPr>
+        </p:nvSpPr>
+        <p:spPr/>
+        <p:txBody>
+          <a:bodyPr/>
+          <a:lstStyle/>
+          <a:p>
+            <a:endParaRPr lang="en-GB"/>
+          </a:p>
+        </p:txBody>
+      </p:sp>
+      <p:sp>
+        <p:nvSpPr>
+          <p:cNvPr id="4" name="Foliennummernplatzhalter 3">
+            <a:extLst>
+              <a:ext uri="{FF2B5EF4-FFF2-40B4-BE49-F238E27FC236}">
+                <a16:creationId xmlns:a16="http://schemas.microsoft.com/office/drawing/2014/main" id="{C9552EEF-9399-40E9-87A8-ABD8BCAB9982}"/>
+              </a:ext>
+            </a:extLst>
+          </p:cNvPr>
+          <p:cNvSpPr>
+            <a:spLocks noGrp="1"/>
+          </p:cNvSpPr>
+          <p:nvPr>
+            <p:ph type="sldNum" sz="quarter" idx="12"/>
+          </p:nvPr>
+        </p:nvSpPr>
+        <p:spPr/>
+        <p:txBody>
+          <a:bodyPr/>
+          <a:lstStyle/>
+          <a:p>
+            <a:fld id="{D57F1E4F-1CFF-5643-939E-02111984F565}" type="slidenum">
+              <a:rPr lang="en-US" smtClean="0"/>
+              <a:t>10</a:t>
+            </a:fld>
+            <a:endParaRPr lang="en-US" dirty="0"/>
+          </a:p>
+        </p:txBody>
+      </p:sp>
+    </p:spTree>
+    <p:extLst>
+      <p:ext uri="{BB962C8B-B14F-4D97-AF65-F5344CB8AC3E}">
+        <p14:creationId xmlns:p14="http://schemas.microsoft.com/office/powerpoint/2010/main" val="362698759"/>
+      </p:ext>
+    </p:extLst>
+  </p:cSld>
+  <p:clrMapOvr>
+    <a:masterClrMapping/>
+  </p:clrMapOvr>
+</p:sld>
+</file>
+
+<file path=ppt/slides/slide11.xml><?xml version="1.0" encoding="utf-8"?>
+<p:sld xmlns:a="http://schemas.openxmlformats.org/drawingml/2006/main" xmlns:r="http://schemas.openxmlformats.org/officeDocument/2006/relationships" xmlns:p="http://schemas.openxmlformats.org/presentationml/2006/main">
+  <p:cSld>
+    <p:spTree>
+      <p:nvGrpSpPr>
+        <p:cNvPr id="1" name=""/>
+        <p:cNvGrpSpPr/>
+        <p:nvPr/>
+      </p:nvGrpSpPr>
+      <p:grpSpPr>
+        <a:xfrm>
+          <a:off x="0" y="0"/>
+          <a:ext cx="0" cy="0"/>
+          <a:chOff x="0" y="0"/>
+          <a:chExt cx="0" cy="0"/>
+        </a:xfrm>
+      </p:grpSpPr>
+      <p:sp>
+        <p:nvSpPr>
+          <p:cNvPr id="2" name="Titel 1">
+            <a:extLst>
+              <a:ext uri="{FF2B5EF4-FFF2-40B4-BE49-F238E27FC236}">
+                <a16:creationId xmlns:a16="http://schemas.microsoft.com/office/drawing/2014/main" id="{B1E941B2-B2CE-4ACE-8B10-C80AC24415EB}"/>
+              </a:ext>
+            </a:extLst>
+          </p:cNvPr>
+          <p:cNvSpPr>
+            <a:spLocks noGrp="1"/>
+          </p:cNvSpPr>
+          <p:nvPr>
+            <p:ph type="title"/>
+          </p:nvPr>
+        </p:nvSpPr>
+        <p:spPr/>
+        <p:txBody>
+          <a:bodyPr/>
+          <a:lstStyle/>
+          <a:p>
+            <a:r>
+              <a:rPr lang="en-GB" dirty="0"/>
+              <a:t>Conclusion</a:t>
+            </a:r>
+          </a:p>
+        </p:txBody>
+      </p:sp>
+      <p:sp>
+        <p:nvSpPr>
+          <p:cNvPr id="3" name="Inhaltsplatzhalter 2">
+            <a:extLst>
+              <a:ext uri="{FF2B5EF4-FFF2-40B4-BE49-F238E27FC236}">
+                <a16:creationId xmlns:a16="http://schemas.microsoft.com/office/drawing/2014/main" id="{2464A424-C641-47AD-A27F-F639A87C6EE5}"/>
+              </a:ext>
+            </a:extLst>
+          </p:cNvPr>
+          <p:cNvSpPr>
+            <a:spLocks noGrp="1"/>
+          </p:cNvSpPr>
+          <p:nvPr>
+            <p:ph idx="1"/>
+          </p:nvPr>
+        </p:nvSpPr>
+        <p:spPr/>
+        <p:txBody>
+          <a:bodyPr/>
+          <a:lstStyle/>
+          <a:p>
+            <a:endParaRPr lang="en-GB"/>
+          </a:p>
+        </p:txBody>
+      </p:sp>
+      <p:sp>
+        <p:nvSpPr>
+          <p:cNvPr id="4" name="Foliennummernplatzhalter 3">
+            <a:extLst>
+              <a:ext uri="{FF2B5EF4-FFF2-40B4-BE49-F238E27FC236}">
+                <a16:creationId xmlns:a16="http://schemas.microsoft.com/office/drawing/2014/main" id="{6C28C100-AD5C-4CEF-A4F9-9CB41429D2DB}"/>
+              </a:ext>
+            </a:extLst>
+          </p:cNvPr>
+          <p:cNvSpPr>
+            <a:spLocks noGrp="1"/>
+          </p:cNvSpPr>
+          <p:nvPr>
+            <p:ph type="sldNum" sz="quarter" idx="12"/>
+          </p:nvPr>
+        </p:nvSpPr>
+        <p:spPr/>
+        <p:txBody>
+          <a:bodyPr/>
+          <a:lstStyle/>
+          <a:p>
+            <a:fld id="{D57F1E4F-1CFF-5643-939E-02111984F565}" type="slidenum">
+              <a:rPr lang="en-US" smtClean="0"/>
+              <a:t>11</a:t>
+            </a:fld>
+            <a:endParaRPr lang="en-US" dirty="0"/>
+          </a:p>
+        </p:txBody>
+      </p:sp>
+    </p:spTree>
+    <p:extLst>
+      <p:ext uri="{BB962C8B-B14F-4D97-AF65-F5344CB8AC3E}">
+        <p14:creationId xmlns:p14="http://schemas.microsoft.com/office/powerpoint/2010/main" val="1491005497"/>
       </p:ext>
     </p:extLst>
   </p:cSld>
@@ -6635,25 +7821,114 @@
         </p:nvSpPr>
         <p:spPr/>
         <p:txBody>
-          <a:bodyPr/>
-          <a:lstStyle/>
-          <a:p>
-            <a:endParaRPr lang="de-DE" dirty="0"/>
-          </a:p>
-          <a:p>
-            <a:pPr marL="0" indent="0">
-              <a:buNone/>
+          <a:bodyPr>
+            <a:normAutofit/>
+          </a:bodyPr>
+          <a:lstStyle/>
+          <a:p>
+            <a:pPr marL="457200" indent="-457200">
+              <a:buFont typeface="+mj-lt"/>
+              <a:buAutoNum type="arabicParenR"/>
             </a:pPr>
-            <a:endParaRPr lang="de-DE" dirty="0"/>
-          </a:p>
-          <a:p>
-            <a:endParaRPr lang="de-DE" dirty="0"/>
-          </a:p>
-          <a:p>
-            <a:pPr marL="914400" lvl="2" indent="0">
-              <a:buNone/>
+            <a:r>
+              <a:rPr lang="de-DE" sz="2800" dirty="0" err="1"/>
+              <a:t>Aims</a:t>
+            </a:r>
+            <a:r>
+              <a:rPr lang="de-DE" sz="2800" dirty="0"/>
+              <a:t> &amp; </a:t>
+            </a:r>
+            <a:r>
+              <a:rPr lang="de-DE" sz="2800" dirty="0" err="1"/>
+              <a:t>Challenges</a:t>
+            </a:r>
+            <a:r>
+              <a:rPr lang="de-DE" sz="2800" dirty="0"/>
+              <a:t> </a:t>
+            </a:r>
+          </a:p>
+          <a:p>
+            <a:pPr marL="457200" indent="-457200">
+              <a:buFont typeface="+mj-lt"/>
+              <a:buAutoNum type="arabicParenR"/>
             </a:pPr>
-            <a:endParaRPr lang="de-DE" b="1" dirty="0"/>
+            <a:r>
+              <a:rPr lang="en-GB" sz="2800" dirty="0"/>
+              <a:t>Filling</a:t>
+            </a:r>
+            <a:r>
+              <a:rPr lang="de-DE" sz="2800" dirty="0"/>
+              <a:t> </a:t>
+            </a:r>
+            <a:r>
+              <a:rPr lang="de-DE" sz="2800" dirty="0" err="1"/>
+              <a:t>the</a:t>
+            </a:r>
+            <a:r>
+              <a:rPr lang="de-DE" sz="2800" dirty="0"/>
+              <a:t> Gap</a:t>
+            </a:r>
+          </a:p>
+          <a:p>
+            <a:pPr marL="457200" indent="-457200">
+              <a:buFont typeface="+mj-lt"/>
+              <a:buAutoNum type="arabicParenR"/>
+            </a:pPr>
+            <a:r>
+              <a:rPr lang="de-DE" sz="2800" dirty="0"/>
+              <a:t>Data </a:t>
+            </a:r>
+          </a:p>
+          <a:p>
+            <a:pPr marL="457200" indent="-457200">
+              <a:buFont typeface="+mj-lt"/>
+              <a:buAutoNum type="arabicParenR"/>
+            </a:pPr>
+            <a:r>
+              <a:rPr lang="en-GB" sz="2800" dirty="0"/>
+              <a:t>Methodology</a:t>
+            </a:r>
+          </a:p>
+          <a:p>
+            <a:pPr marL="457200" indent="-457200">
+              <a:buFont typeface="+mj-lt"/>
+              <a:buAutoNum type="arabicParenR"/>
+            </a:pPr>
+            <a:r>
+              <a:rPr lang="en-GB" sz="2800" dirty="0"/>
+              <a:t>Results</a:t>
+            </a:r>
+          </a:p>
+          <a:p>
+            <a:pPr marL="457200" indent="-457200">
+              <a:buFont typeface="+mj-lt"/>
+              <a:buAutoNum type="arabicParenR"/>
+            </a:pPr>
+            <a:r>
+              <a:rPr lang="en-GB" sz="2800" dirty="0"/>
+              <a:t>Discussion</a:t>
+            </a:r>
+          </a:p>
+          <a:p>
+            <a:pPr marL="457200" indent="-457200">
+              <a:buFont typeface="+mj-lt"/>
+              <a:buAutoNum type="arabicParenR"/>
+            </a:pPr>
+            <a:r>
+              <a:rPr lang="de-DE" sz="2800" dirty="0" err="1"/>
+              <a:t>Conclusion</a:t>
+            </a:r>
+            <a:r>
+              <a:rPr lang="de-DE" sz="2800" dirty="0"/>
+              <a:t> </a:t>
+            </a:r>
+          </a:p>
+          <a:p>
+            <a:pPr marL="457200" indent="-457200">
+              <a:buFont typeface="+mj-lt"/>
+              <a:buAutoNum type="arabicParenR"/>
+            </a:pPr>
+            <a:endParaRPr lang="de-DE" sz="2800" dirty="0"/>
           </a:p>
         </p:txBody>
       </p:sp>
@@ -6732,10 +8007,25 @@
           <a:lstStyle/>
           <a:p>
             <a:r>
+              <a:rPr lang="de-DE" dirty="0"/>
+              <a:t>1 </a:t>
+            </a:r>
+            <a:r>
               <a:rPr lang="de-DE" dirty="0" err="1"/>
-              <a:t>Aim</a:t>
-            </a:r>
-            <a:endParaRPr lang="de-DE" dirty="0"/>
+              <a:t>Aims</a:t>
+            </a:r>
+            <a:r>
+              <a:rPr lang="de-DE" dirty="0"/>
+              <a:t> &amp; </a:t>
+            </a:r>
+            <a:r>
+              <a:rPr lang="de-DE" dirty="0" err="1"/>
+              <a:t>Challenges</a:t>
+            </a:r>
+            <a:r>
+              <a:rPr lang="de-DE" dirty="0"/>
+              <a:t> </a:t>
+            </a:r>
           </a:p>
         </p:txBody>
       </p:sp>
@@ -6755,12 +8045,113 @@
             <p:ph idx="1"/>
           </p:nvPr>
         </p:nvSpPr>
-        <p:spPr/>
-        <p:txBody>
-          <a:bodyPr/>
-          <a:lstStyle/>
-          <a:p>
-            <a:endParaRPr lang="de-DE"/>
+        <p:spPr>
+          <a:xfrm>
+            <a:off x="876300" y="1575753"/>
+            <a:ext cx="9174534" cy="4829529"/>
+          </a:xfrm>
+        </p:spPr>
+        <p:txBody>
+          <a:bodyPr>
+            <a:normAutofit/>
+          </a:bodyPr>
+          <a:lstStyle/>
+          <a:p>
+            <a:pPr marL="0" indent="0">
+              <a:buNone/>
+            </a:pPr>
+            <a:r>
+              <a:rPr lang="en-GB" sz="2400" b="1" dirty="0"/>
+              <a:t>Challenges:</a:t>
+            </a:r>
+          </a:p>
+          <a:p>
+            <a:r>
+              <a:rPr lang="en-GB" sz="2400" dirty="0"/>
+              <a:t>Lack of clear information about used Methodology</a:t>
+            </a:r>
+          </a:p>
+          <a:p>
+            <a:r>
+              <a:rPr lang="en-GB" sz="2400" dirty="0"/>
+              <a:t>Dominant use of proprietary software </a:t>
+            </a:r>
+          </a:p>
+          <a:p>
+            <a:pPr marL="457200" lvl="1" indent="0">
+              <a:buNone/>
+            </a:pPr>
+            <a:r>
+              <a:rPr lang="en-GB" sz="2400" dirty="0">
+                <a:sym typeface="Wingdings" panose="05000000000000000000" pitchFamily="2" charset="2"/>
+              </a:rPr>
+              <a:t> Accessibility Limitations: </a:t>
+            </a:r>
+            <a:r>
+              <a:rPr lang="en-GB" sz="2400" b="1" dirty="0">
+                <a:sym typeface="Wingdings" panose="05000000000000000000" pitchFamily="2" charset="2"/>
+              </a:rPr>
+              <a:t>Data, Methodology &amp; Software </a:t>
+            </a:r>
+            <a:endParaRPr lang="en-GB" sz="2400" dirty="0"/>
+          </a:p>
+          <a:p>
+            <a:pPr marL="0" indent="0">
+              <a:buNone/>
+            </a:pPr>
+            <a:r>
+              <a:rPr lang="en-GB" sz="1800" dirty="0"/>
+              <a:t>(Dennis 2006)</a:t>
+            </a:r>
+          </a:p>
+          <a:p>
+            <a:pPr marL="0" indent="0">
+              <a:buNone/>
+            </a:pPr>
+            <a:endParaRPr lang="en-GB" sz="2400" dirty="0"/>
+          </a:p>
+          <a:p>
+            <a:pPr marL="0" indent="0">
+              <a:buNone/>
+            </a:pPr>
+            <a:r>
+              <a:rPr lang="en-GB" sz="2400" b="1" dirty="0"/>
+              <a:t>Aims: </a:t>
+            </a:r>
+          </a:p>
+          <a:p>
+            <a:r>
+              <a:rPr lang="en-GB" sz="2400" dirty="0"/>
+              <a:t>Portray the current status of qualitative GIS</a:t>
+            </a:r>
+          </a:p>
+          <a:p>
+            <a:r>
+              <a:rPr lang="en-GB" sz="2400" dirty="0"/>
+              <a:t>reproducible approach</a:t>
+            </a:r>
+          </a:p>
+          <a:p>
+            <a:pPr marL="457200" lvl="1" indent="0">
+              <a:buNone/>
+            </a:pPr>
+            <a:r>
+              <a:rPr lang="en-GB" sz="2400" dirty="0"/>
+              <a:t> </a:t>
+            </a:r>
+            <a:r>
+              <a:rPr lang="en-GB" sz="2400" dirty="0">
+                <a:sym typeface="Wingdings" panose="05000000000000000000" pitchFamily="2" charset="2"/>
+              </a:rPr>
+              <a:t> public accessible data, open-source software  </a:t>
+            </a:r>
+            <a:endParaRPr lang="en-GB" sz="2400" dirty="0"/>
+          </a:p>
+          <a:p>
+            <a:endParaRPr lang="en-GB" sz="2400" dirty="0"/>
+          </a:p>
+          <a:p>
+            <a:endParaRPr lang="en-GB" dirty="0"/>
           </a:p>
         </p:txBody>
       </p:sp>
@@ -6846,19 +8237,7 @@
           <a:p>
             <a:r>
               <a:rPr lang="en-GB" dirty="0"/>
-              <a:t>Filling</a:t>
-            </a:r>
-            <a:r>
-              <a:rPr lang="de-DE" dirty="0"/>
-              <a:t> </a:t>
-            </a:r>
-            <a:r>
-              <a:rPr lang="de-DE" dirty="0" err="1"/>
-              <a:t>the</a:t>
-            </a:r>
-            <a:r>
-              <a:rPr lang="de-DE" dirty="0"/>
-              <a:t> Gap</a:t>
+              <a:t>2 Filling the Gap</a:t>
             </a:r>
           </a:p>
         </p:txBody>
@@ -6879,12 +8258,200 @@
             <p:ph idx="1"/>
           </p:nvPr>
         </p:nvSpPr>
-        <p:spPr/>
-        <p:txBody>
-          <a:bodyPr/>
-          <a:lstStyle/>
-          <a:p>
-            <a:endParaRPr lang="de-DE"/>
+        <p:spPr>
+          <a:xfrm>
+            <a:off x="875201" y="1719898"/>
+            <a:ext cx="10315538" cy="4552034"/>
+          </a:xfrm>
+        </p:spPr>
+        <p:txBody>
+          <a:bodyPr>
+            <a:normAutofit/>
+          </a:bodyPr>
+          <a:lstStyle/>
+          <a:p>
+            <a:pPr marL="0" indent="0">
+              <a:buNone/>
+            </a:pPr>
+            <a:r>
+              <a:rPr lang="en-GB" b="1" dirty="0"/>
+              <a:t>What is qualitative GIS?</a:t>
+            </a:r>
+          </a:p>
+          <a:p>
+            <a:r>
+              <a:rPr lang="en-GB" b="1" dirty="0"/>
+              <a:t>Critical GIS</a:t>
+            </a:r>
+            <a:r>
+              <a:rPr lang="en-GB" dirty="0"/>
+              <a:t> as alternative GIS research since 1990 </a:t>
+            </a:r>
+            <a:r>
+              <a:rPr lang="en-GB" sz="1600" dirty="0"/>
+              <a:t>(Openshaw, 1991; </a:t>
+            </a:r>
+            <a:r>
+              <a:rPr lang="en-GB" sz="1600" dirty="0" err="1"/>
+              <a:t>Schuurman</a:t>
+            </a:r>
+            <a:r>
+              <a:rPr lang="en-GB" sz="1600" dirty="0"/>
+              <a:t>, 2000)</a:t>
+            </a:r>
+          </a:p>
+          <a:p>
+            <a:pPr marL="457200" lvl="1" indent="0">
+              <a:buNone/>
+            </a:pPr>
+            <a:r>
+              <a:rPr lang="en-GB" sz="1400" dirty="0">
+                <a:sym typeface="Wingdings" panose="05000000000000000000" pitchFamily="2" charset="2"/>
+              </a:rPr>
+              <a:t>	</a:t>
+            </a:r>
+            <a:r>
+              <a:rPr lang="en-GB" sz="2000" dirty="0">
+                <a:sym typeface="Wingdings" panose="05000000000000000000" pitchFamily="2" charset="2"/>
+              </a:rPr>
+              <a:t></a:t>
+            </a:r>
+            <a:r>
+              <a:rPr lang="en-GB" sz="1400" dirty="0">
+                <a:sym typeface="Wingdings" panose="05000000000000000000" pitchFamily="2" charset="2"/>
+              </a:rPr>
+              <a:t> </a:t>
+            </a:r>
+            <a:r>
+              <a:rPr lang="en-GB" sz="2000" dirty="0">
+                <a:sym typeface="Wingdings" panose="05000000000000000000" pitchFamily="2" charset="2"/>
+              </a:rPr>
+              <a:t>Alignment and reorientation of GIS</a:t>
+            </a:r>
+            <a:endParaRPr lang="en-GB" sz="1600" dirty="0"/>
+          </a:p>
+          <a:p>
+            <a:r>
+              <a:rPr lang="en-GB" b="1" dirty="0"/>
+              <a:t>Change</a:t>
+            </a:r>
+            <a:r>
+              <a:rPr lang="en-GB" dirty="0"/>
+              <a:t> of perspective since 2000</a:t>
+            </a:r>
+          </a:p>
+          <a:p>
+            <a:pPr lvl="2">
+              <a:buFont typeface="Wingdings" panose="05000000000000000000" pitchFamily="2" charset="2"/>
+              <a:buChar char="à"/>
+            </a:pPr>
+            <a:r>
+              <a:rPr lang="en-GB" sz="2000" dirty="0">
+                <a:sym typeface="Wingdings" panose="05000000000000000000" pitchFamily="2" charset="2"/>
+              </a:rPr>
+              <a:t>new software &amp; technology developments</a:t>
+            </a:r>
+          </a:p>
+          <a:p>
+            <a:pPr lvl="2">
+              <a:buFont typeface="Wingdings" panose="05000000000000000000" pitchFamily="2" charset="2"/>
+              <a:buChar char="à"/>
+            </a:pPr>
+            <a:r>
+              <a:rPr lang="en-GB" sz="2000" dirty="0">
+                <a:sym typeface="Wingdings" panose="05000000000000000000" pitchFamily="2" charset="2"/>
+              </a:rPr>
+              <a:t>emerging of new subdisciplines (VGI, PPGIS)</a:t>
+            </a:r>
+          </a:p>
+          <a:p>
+            <a:pPr lvl="2">
+              <a:buFont typeface="Wingdings" panose="05000000000000000000" pitchFamily="2" charset="2"/>
+              <a:buChar char="à"/>
+            </a:pPr>
+            <a:r>
+              <a:rPr lang="en-GB" sz="2000" b="1" dirty="0">
+                <a:sym typeface="Wingdings" panose="05000000000000000000" pitchFamily="2" charset="2"/>
+              </a:rPr>
+              <a:t>Qual. GIS as toolbox to understand social </a:t>
+            </a:r>
+            <a:r>
+              <a:rPr lang="en-GB" sz="2000" b="1" dirty="0" err="1">
+                <a:sym typeface="Wingdings" panose="05000000000000000000" pitchFamily="2" charset="2"/>
+              </a:rPr>
+              <a:t>phenomenas</a:t>
+            </a:r>
+            <a:r>
+              <a:rPr lang="en-GB" sz="2000" dirty="0">
+                <a:sym typeface="Wingdings" panose="05000000000000000000" pitchFamily="2" charset="2"/>
+              </a:rPr>
+              <a:t> </a:t>
+            </a:r>
+          </a:p>
+          <a:p>
+            <a:pPr marL="0" indent="0">
+              <a:buNone/>
+            </a:pPr>
+            <a:r>
+              <a:rPr lang="en-GB" sz="1600" dirty="0"/>
+              <a:t>(Elwood, 2006; </a:t>
+            </a:r>
+            <a:r>
+              <a:rPr lang="en-GB" sz="1600" dirty="0" err="1"/>
+              <a:t>O’Sullivian</a:t>
+            </a:r>
+            <a:r>
+              <a:rPr lang="en-GB" sz="1600" dirty="0"/>
+              <a:t>, 2006; </a:t>
+            </a:r>
+            <a:r>
+              <a:rPr lang="en-GB" sz="1600" dirty="0" err="1"/>
+              <a:t>Schuurmann</a:t>
+            </a:r>
+            <a:r>
+              <a:rPr lang="en-GB" sz="1600" dirty="0"/>
+              <a:t> 2000)</a:t>
+            </a:r>
+          </a:p>
+          <a:p>
+            <a:pPr marL="0" indent="0">
+              <a:buNone/>
+            </a:pPr>
+            <a:endParaRPr lang="en-GB" dirty="0"/>
+          </a:p>
+          <a:p>
+            <a:pPr marL="0" indent="0">
+              <a:buNone/>
+            </a:pPr>
+            <a:r>
+              <a:rPr lang="en-GB" b="1" dirty="0">
+                <a:sym typeface="Wingdings" panose="05000000000000000000" pitchFamily="2" charset="2"/>
+              </a:rPr>
+              <a:t>Research fields:</a:t>
+            </a:r>
+            <a:r>
+              <a:rPr lang="en-GB" dirty="0">
+                <a:sym typeface="Wingdings" panose="05000000000000000000" pitchFamily="2" charset="2"/>
+              </a:rPr>
+              <a:t> </a:t>
+            </a:r>
+            <a:r>
+              <a:rPr lang="en-GB" i="1" dirty="0">
+                <a:sym typeface="Wingdings" panose="05000000000000000000" pitchFamily="2" charset="2"/>
+              </a:rPr>
+              <a:t>Social and political decision making, urban- and community management, ecosystem services …</a:t>
+            </a:r>
+            <a:endParaRPr lang="en-GB" dirty="0">
+              <a:sym typeface="Wingdings" panose="05000000000000000000" pitchFamily="2" charset="2"/>
+            </a:endParaRPr>
+          </a:p>
+          <a:p>
+            <a:pPr marL="0" indent="0">
+              <a:buNone/>
+            </a:pPr>
+            <a:endParaRPr lang="en-GB" sz="1400" dirty="0">
+              <a:sym typeface="Wingdings" panose="05000000000000000000" pitchFamily="2" charset="2"/>
+            </a:endParaRPr>
           </a:p>
         </p:txBody>
       </p:sp>
@@ -6910,10 +8477,10 @@
           <a:lstStyle/>
           <a:p>
             <a:fld id="{D57F1E4F-1CFF-5643-939E-02111984F565}" type="slidenum">
-              <a:rPr lang="en-US" smtClean="0"/>
+              <a:rPr lang="en-GB" smtClean="0"/>
               <a:t>4</a:t>
             </a:fld>
-            <a:endParaRPr lang="en-US" dirty="0"/>
+            <a:endParaRPr lang="en-GB"/>
           </a:p>
         </p:txBody>
       </p:sp>
@@ -6921,6 +8488,1059 @@
     <p:extLst>
       <p:ext uri="{BB962C8B-B14F-4D97-AF65-F5344CB8AC3E}">
         <p14:creationId xmlns:p14="http://schemas.microsoft.com/office/powerpoint/2010/main" val="1568025484"/>
+      </p:ext>
+    </p:extLst>
+  </p:cSld>
+  <p:clrMapOvr>
+    <a:masterClrMapping/>
+  </p:clrMapOvr>
+</p:sld>
+</file>
+
+<file path=ppt/slides/slide5.xml><?xml version="1.0" encoding="utf-8"?>
+<p:sld xmlns:a="http://schemas.openxmlformats.org/drawingml/2006/main" xmlns:r="http://schemas.openxmlformats.org/officeDocument/2006/relationships" xmlns:p="http://schemas.openxmlformats.org/presentationml/2006/main">
+  <p:cSld>
+    <p:spTree>
+      <p:nvGrpSpPr>
+        <p:cNvPr id="1" name=""/>
+        <p:cNvGrpSpPr/>
+        <p:nvPr/>
+      </p:nvGrpSpPr>
+      <p:grpSpPr>
+        <a:xfrm>
+          <a:off x="0" y="0"/>
+          <a:ext cx="0" cy="0"/>
+          <a:chOff x="0" y="0"/>
+          <a:chExt cx="0" cy="0"/>
+        </a:xfrm>
+      </p:grpSpPr>
+      <p:sp>
+        <p:nvSpPr>
+          <p:cNvPr id="2" name="Titel 1">
+            <a:extLst>
+              <a:ext uri="{FF2B5EF4-FFF2-40B4-BE49-F238E27FC236}">
+                <a16:creationId xmlns:a16="http://schemas.microsoft.com/office/drawing/2014/main" id="{9F3C8A86-7CD0-475F-A32B-BA4A4C01211E}"/>
+              </a:ext>
+            </a:extLst>
+          </p:cNvPr>
+          <p:cNvSpPr>
+            <a:spLocks noGrp="1"/>
+          </p:cNvSpPr>
+          <p:nvPr>
+            <p:ph type="title"/>
+          </p:nvPr>
+        </p:nvSpPr>
+        <p:spPr/>
+        <p:txBody>
+          <a:bodyPr/>
+          <a:lstStyle/>
+          <a:p>
+            <a:r>
+              <a:rPr lang="en-GB" dirty="0"/>
+              <a:t>2 Filling the Gap</a:t>
+            </a:r>
+          </a:p>
+        </p:txBody>
+      </p:sp>
+      <p:sp>
+        <p:nvSpPr>
+          <p:cNvPr id="3" name="Inhaltsplatzhalter 2">
+            <a:extLst>
+              <a:ext uri="{FF2B5EF4-FFF2-40B4-BE49-F238E27FC236}">
+                <a16:creationId xmlns:a16="http://schemas.microsoft.com/office/drawing/2014/main" id="{318EDB89-DE55-4963-9E99-E3FF9E6C6C8D}"/>
+              </a:ext>
+            </a:extLst>
+          </p:cNvPr>
+          <p:cNvSpPr>
+            <a:spLocks noGrp="1"/>
+          </p:cNvSpPr>
+          <p:nvPr>
+            <p:ph idx="1"/>
+          </p:nvPr>
+        </p:nvSpPr>
+        <p:spPr>
+          <a:xfrm>
+            <a:off x="646111" y="1633818"/>
+            <a:ext cx="9907589" cy="4195481"/>
+          </a:xfrm>
+        </p:spPr>
+        <p:txBody>
+          <a:bodyPr>
+            <a:normAutofit fontScale="92500" lnSpcReduction="10000"/>
+          </a:bodyPr>
+          <a:lstStyle/>
+          <a:p>
+            <a:pPr marL="0" indent="0">
+              <a:buNone/>
+            </a:pPr>
+            <a:r>
+              <a:rPr lang="en-GB" sz="2400" b="1" dirty="0"/>
+              <a:t>Qualitative GIS as mixed method approach.</a:t>
+            </a:r>
+          </a:p>
+          <a:p>
+            <a:r>
+              <a:rPr lang="en-GB" sz="2400" dirty="0"/>
+              <a:t>Analysis of qualitative data  in combination with spatial information </a:t>
+            </a:r>
+            <a:r>
+              <a:rPr lang="en-GB" sz="1600" dirty="0"/>
+              <a:t>(Sui, 2015)</a:t>
+            </a:r>
+            <a:endParaRPr lang="en-GB" dirty="0"/>
+          </a:p>
+          <a:p>
+            <a:pPr marL="0" indent="0" algn="just">
+              <a:buNone/>
+            </a:pPr>
+            <a:r>
+              <a:rPr lang="en-GB" sz="2400" dirty="0">
+                <a:sym typeface="Wingdings" panose="05000000000000000000" pitchFamily="2" charset="2"/>
+              </a:rPr>
+              <a:t>		</a:t>
+            </a:r>
+            <a:r>
+              <a:rPr lang="en-GB" sz="2400" b="1" dirty="0">
+                <a:sym typeface="Wingdings" panose="05000000000000000000" pitchFamily="2" charset="2"/>
+              </a:rPr>
+              <a:t>vector  &amp; raster representation  qualitative Data </a:t>
+            </a:r>
+          </a:p>
+          <a:p>
+            <a:pPr marL="0" indent="0" algn="just">
+              <a:buNone/>
+            </a:pPr>
+            <a:endParaRPr lang="en-GB" sz="2400" b="1" dirty="0">
+              <a:sym typeface="Wingdings" panose="05000000000000000000" pitchFamily="2" charset="2"/>
+            </a:endParaRPr>
+          </a:p>
+          <a:p>
+            <a:pPr marL="457200" indent="-457200" algn="just">
+              <a:buFont typeface="+mj-lt"/>
+              <a:buAutoNum type="arabicPeriod"/>
+            </a:pPr>
+            <a:r>
+              <a:rPr lang="en-GB" sz="2400" b="1" dirty="0">
+                <a:sym typeface="Wingdings" panose="05000000000000000000" pitchFamily="2" charset="2"/>
+              </a:rPr>
+              <a:t>Transformation </a:t>
+            </a:r>
+            <a:r>
+              <a:rPr lang="en-GB" sz="2400" dirty="0">
+                <a:sym typeface="Wingdings" panose="05000000000000000000" pitchFamily="2" charset="2"/>
+              </a:rPr>
+              <a:t>into a spatial data format</a:t>
+            </a:r>
+            <a:endParaRPr lang="en-GB" sz="2400" b="1" dirty="0">
+              <a:sym typeface="Wingdings" panose="05000000000000000000" pitchFamily="2" charset="2"/>
+            </a:endParaRPr>
+          </a:p>
+          <a:p>
+            <a:pPr marL="457200" indent="-457200" algn="just">
+              <a:buFont typeface="+mj-lt"/>
+              <a:buAutoNum type="arabicPeriod"/>
+            </a:pPr>
+            <a:r>
+              <a:rPr lang="en-GB" sz="2400" b="1" dirty="0">
+                <a:sym typeface="Wingdings" panose="05000000000000000000" pitchFamily="2" charset="2"/>
+              </a:rPr>
+              <a:t>Hyperlinks – </a:t>
+            </a:r>
+            <a:r>
+              <a:rPr lang="en-GB" sz="2400" dirty="0">
+                <a:sym typeface="Wingdings" panose="05000000000000000000" pitchFamily="2" charset="2"/>
+              </a:rPr>
+              <a:t>linking multiple data types to a location </a:t>
+            </a:r>
+            <a:endParaRPr lang="en-GB" sz="2400" b="1" dirty="0">
+              <a:sym typeface="Wingdings" panose="05000000000000000000" pitchFamily="2" charset="2"/>
+            </a:endParaRPr>
+          </a:p>
+          <a:p>
+            <a:pPr marL="457200" indent="-457200" algn="just">
+              <a:buFont typeface="+mj-lt"/>
+              <a:buAutoNum type="arabicPeriod"/>
+            </a:pPr>
+            <a:r>
+              <a:rPr lang="en-GB" sz="2400" b="1" dirty="0">
+                <a:sym typeface="Wingdings" panose="05000000000000000000" pitchFamily="2" charset="2"/>
+              </a:rPr>
+              <a:t>Software-Extension  - </a:t>
+            </a:r>
+            <a:r>
+              <a:rPr lang="en-GB" sz="2400" dirty="0">
+                <a:sym typeface="Wingdings" panose="05000000000000000000" pitchFamily="2" charset="2"/>
+              </a:rPr>
+              <a:t>extending data types and methods of a GIS</a:t>
+            </a:r>
+            <a:endParaRPr lang="en-GB" sz="2400" b="1" dirty="0">
+              <a:sym typeface="Wingdings" panose="05000000000000000000" pitchFamily="2" charset="2"/>
+            </a:endParaRPr>
+          </a:p>
+          <a:p>
+            <a:pPr marL="0" indent="0" algn="just">
+              <a:buNone/>
+            </a:pPr>
+            <a:endParaRPr lang="en-GB" b="1" dirty="0">
+              <a:sym typeface="Wingdings" panose="05000000000000000000" pitchFamily="2" charset="2"/>
+            </a:endParaRPr>
+          </a:p>
+          <a:p>
+            <a:pPr marL="0" indent="0" algn="just">
+              <a:buNone/>
+            </a:pPr>
+            <a:r>
+              <a:rPr lang="en-US" sz="1600" dirty="0"/>
+              <a:t>(Jung &amp; Elwood, 2010)</a:t>
+            </a:r>
+            <a:endParaRPr lang="en-GB" sz="1600" b="1" dirty="0">
+              <a:sym typeface="Wingdings" panose="05000000000000000000" pitchFamily="2" charset="2"/>
+            </a:endParaRPr>
+          </a:p>
+          <a:p>
+            <a:pPr marL="0" indent="0" algn="just">
+              <a:buNone/>
+            </a:pPr>
+            <a:endParaRPr lang="en-GB" b="1" dirty="0">
+              <a:sym typeface="Wingdings" panose="05000000000000000000" pitchFamily="2" charset="2"/>
+            </a:endParaRPr>
+          </a:p>
+          <a:p>
+            <a:pPr marL="0" indent="0" algn="just">
+              <a:buNone/>
+            </a:pPr>
+            <a:endParaRPr lang="en-GB" b="1" dirty="0"/>
+          </a:p>
+        </p:txBody>
+      </p:sp>
+      <p:sp>
+        <p:nvSpPr>
+          <p:cNvPr id="4" name="Foliennummernplatzhalter 3">
+            <a:extLst>
+              <a:ext uri="{FF2B5EF4-FFF2-40B4-BE49-F238E27FC236}">
+                <a16:creationId xmlns:a16="http://schemas.microsoft.com/office/drawing/2014/main" id="{3130F314-27DD-4620-AD62-8E57F22EDEAE}"/>
+              </a:ext>
+            </a:extLst>
+          </p:cNvPr>
+          <p:cNvSpPr>
+            <a:spLocks noGrp="1"/>
+          </p:cNvSpPr>
+          <p:nvPr>
+            <p:ph type="sldNum" sz="quarter" idx="12"/>
+          </p:nvPr>
+        </p:nvSpPr>
+        <p:spPr/>
+        <p:txBody>
+          <a:bodyPr/>
+          <a:lstStyle/>
+          <a:p>
+            <a:fld id="{D57F1E4F-1CFF-5643-939E-02111984F565}" type="slidenum">
+              <a:rPr lang="en-GB" smtClean="0"/>
+              <a:t>5</a:t>
+            </a:fld>
+            <a:endParaRPr lang="en-GB"/>
+          </a:p>
+        </p:txBody>
+      </p:sp>
+      <p:pic>
+        <p:nvPicPr>
+          <p:cNvPr id="5" name="Grafik 4">
+            <a:extLst>
+              <a:ext uri="{FF2B5EF4-FFF2-40B4-BE49-F238E27FC236}">
+                <a16:creationId xmlns:a16="http://schemas.microsoft.com/office/drawing/2014/main" id="{F6ECCD87-4450-44DB-AC8B-8A2C8C012FF1}"/>
+              </a:ext>
+            </a:extLst>
+          </p:cNvPr>
+          <p:cNvPicPr>
+            <a:picLocks noChangeAspect="1"/>
+          </p:cNvPicPr>
+          <p:nvPr/>
+        </p:nvPicPr>
+        <p:blipFill>
+          <a:blip r:embed="rId3"/>
+          <a:stretch>
+            <a:fillRect/>
+          </a:stretch>
+        </p:blipFill>
+        <p:spPr>
+          <a:xfrm>
+            <a:off x="5482050" y="541631"/>
+            <a:ext cx="4719637" cy="3299642"/>
+          </a:xfrm>
+          <a:prstGeom prst="rect">
+            <a:avLst/>
+          </a:prstGeom>
+        </p:spPr>
+      </p:pic>
+      <p:sp>
+        <p:nvSpPr>
+          <p:cNvPr id="6" name="Textfeld 5">
+            <a:extLst>
+              <a:ext uri="{FF2B5EF4-FFF2-40B4-BE49-F238E27FC236}">
+                <a16:creationId xmlns:a16="http://schemas.microsoft.com/office/drawing/2014/main" id="{F2E1D66F-E9F7-440A-9040-DA84BC081759}"/>
+              </a:ext>
+            </a:extLst>
+          </p:cNvPr>
+          <p:cNvSpPr txBox="1"/>
+          <p:nvPr/>
+        </p:nvSpPr>
+        <p:spPr>
+          <a:xfrm>
+            <a:off x="8084755" y="3471941"/>
+            <a:ext cx="2116932" cy="369332"/>
+          </a:xfrm>
+          <a:prstGeom prst="rect">
+            <a:avLst/>
+          </a:prstGeom>
+          <a:noFill/>
+        </p:spPr>
+        <p:txBody>
+          <a:bodyPr wrap="square" rtlCol="0">
+            <a:spAutoFit/>
+          </a:bodyPr>
+          <a:lstStyle/>
+          <a:p>
+            <a:r>
+              <a:rPr lang="en-GB" dirty="0">
+                <a:solidFill>
+                  <a:schemeClr val="bg1"/>
+                </a:solidFill>
+              </a:rPr>
+              <a:t>(</a:t>
+            </a:r>
+            <a:r>
+              <a:rPr lang="en-GB" sz="1400" dirty="0" err="1">
+                <a:solidFill>
+                  <a:schemeClr val="bg1"/>
+                </a:solidFill>
+              </a:rPr>
+              <a:t>Pavlovskaya</a:t>
+            </a:r>
+            <a:r>
+              <a:rPr lang="en-GB" sz="1400" dirty="0">
+                <a:solidFill>
+                  <a:schemeClr val="bg1"/>
+                </a:solidFill>
+              </a:rPr>
+              <a:t>, 2004)</a:t>
+            </a:r>
+          </a:p>
+        </p:txBody>
+      </p:sp>
+      <p:pic>
+        <p:nvPicPr>
+          <p:cNvPr id="7" name="Grafik 6">
+            <a:extLst>
+              <a:ext uri="{FF2B5EF4-FFF2-40B4-BE49-F238E27FC236}">
+                <a16:creationId xmlns:a16="http://schemas.microsoft.com/office/drawing/2014/main" id="{E1026212-13E9-4FF0-A6E0-9669E635C18E}"/>
+              </a:ext>
+            </a:extLst>
+          </p:cNvPr>
+          <p:cNvPicPr>
+            <a:picLocks noChangeAspect="1"/>
+          </p:cNvPicPr>
+          <p:nvPr/>
+        </p:nvPicPr>
+        <p:blipFill>
+          <a:blip r:embed="rId4"/>
+          <a:stretch>
+            <a:fillRect/>
+          </a:stretch>
+        </p:blipFill>
+        <p:spPr>
+          <a:xfrm>
+            <a:off x="1638300" y="2246801"/>
+            <a:ext cx="4991100" cy="4137110"/>
+          </a:xfrm>
+          <a:prstGeom prst="rect">
+            <a:avLst/>
+          </a:prstGeom>
+        </p:spPr>
+      </p:pic>
+      <p:sp>
+        <p:nvSpPr>
+          <p:cNvPr id="9" name="Textfeld 8">
+            <a:extLst>
+              <a:ext uri="{FF2B5EF4-FFF2-40B4-BE49-F238E27FC236}">
+                <a16:creationId xmlns:a16="http://schemas.microsoft.com/office/drawing/2014/main" id="{460ED040-D5E3-4759-98B0-B62ED6EBFC0D}"/>
+              </a:ext>
+            </a:extLst>
+          </p:cNvPr>
+          <p:cNvSpPr txBox="1"/>
+          <p:nvPr/>
+        </p:nvSpPr>
+        <p:spPr>
+          <a:xfrm>
+            <a:off x="4204096" y="6360059"/>
+            <a:ext cx="2116932" cy="307777"/>
+          </a:xfrm>
+          <a:prstGeom prst="rect">
+            <a:avLst/>
+          </a:prstGeom>
+          <a:noFill/>
+        </p:spPr>
+        <p:txBody>
+          <a:bodyPr wrap="square" rtlCol="0">
+            <a:spAutoFit/>
+          </a:bodyPr>
+          <a:lstStyle/>
+          <a:p>
+            <a:r>
+              <a:rPr lang="en-GB" sz="1400" dirty="0"/>
+              <a:t>(Jung &amp; Elwood, 2010)</a:t>
+            </a:r>
+          </a:p>
+        </p:txBody>
+      </p:sp>
+    </p:spTree>
+    <p:extLst>
+      <p:ext uri="{BB962C8B-B14F-4D97-AF65-F5344CB8AC3E}">
+        <p14:creationId xmlns:p14="http://schemas.microsoft.com/office/powerpoint/2010/main" val="2287995274"/>
+      </p:ext>
+    </p:extLst>
+  </p:cSld>
+  <p:clrMapOvr>
+    <a:masterClrMapping/>
+  </p:clrMapOvr>
+  <p:timing>
+    <p:tnLst>
+      <p:par>
+        <p:cTn id="1" dur="indefinite" restart="never" nodeType="tmRoot">
+          <p:childTnLst>
+            <p:seq concurrent="1" nextAc="seek">
+              <p:cTn id="2" dur="indefinite" nodeType="mainSeq">
+                <p:childTnLst>
+                  <p:par>
+                    <p:cTn id="3" fill="hold">
+                      <p:stCondLst>
+                        <p:cond delay="indefinite"/>
+                      </p:stCondLst>
+                      <p:childTnLst>
+                        <p:par>
+                          <p:cTn id="4" fill="hold">
+                            <p:stCondLst>
+                              <p:cond delay="0"/>
+                            </p:stCondLst>
+                            <p:childTnLst>
+                              <p:par>
+                                <p:cTn id="5" presetID="1" presetClass="entr" presetSubtype="0" fill="hold" nodeType="clickEffect">
+                                  <p:stCondLst>
+                                    <p:cond delay="0"/>
+                                  </p:stCondLst>
+                                  <p:childTnLst>
+                                    <p:set>
+                                      <p:cBhvr>
+                                        <p:cTn id="6" dur="1" fill="hold">
+                                          <p:stCondLst>
+                                            <p:cond delay="0"/>
+                                          </p:stCondLst>
+                                        </p:cTn>
+                                        <p:tgtEl>
+                                          <p:spTgt spid="5"/>
+                                        </p:tgtEl>
+                                        <p:attrNameLst>
+                                          <p:attrName>style.visibility</p:attrName>
+                                        </p:attrNameLst>
+                                      </p:cBhvr>
+                                      <p:to>
+                                        <p:strVal val="visible"/>
+                                      </p:to>
+                                    </p:set>
+                                  </p:childTnLst>
+                                </p:cTn>
+                              </p:par>
+                              <p:par>
+                                <p:cTn id="7" presetID="1" presetClass="entr" presetSubtype="0" fill="hold" grpId="0" nodeType="withEffect">
+                                  <p:stCondLst>
+                                    <p:cond delay="0"/>
+                                  </p:stCondLst>
+                                  <p:childTnLst>
+                                    <p:set>
+                                      <p:cBhvr>
+                                        <p:cTn id="8" dur="1" fill="hold">
+                                          <p:stCondLst>
+                                            <p:cond delay="0"/>
+                                          </p:stCondLst>
+                                        </p:cTn>
+                                        <p:tgtEl>
+                                          <p:spTgt spid="6"/>
+                                        </p:tgtEl>
+                                        <p:attrNameLst>
+                                          <p:attrName>style.visibility</p:attrName>
+                                        </p:attrNameLst>
+                                      </p:cBhvr>
+                                      <p:to>
+                                        <p:strVal val="visible"/>
+                                      </p:to>
+                                    </p:set>
+                                  </p:childTnLst>
+                                </p:cTn>
+                              </p:par>
+                            </p:childTnLst>
+                          </p:cTn>
+                        </p:par>
+                      </p:childTnLst>
+                    </p:cTn>
+                  </p:par>
+                  <p:par>
+                    <p:cTn id="9" fill="hold">
+                      <p:stCondLst>
+                        <p:cond delay="indefinite"/>
+                      </p:stCondLst>
+                      <p:childTnLst>
+                        <p:par>
+                          <p:cTn id="10" fill="hold">
+                            <p:stCondLst>
+                              <p:cond delay="0"/>
+                            </p:stCondLst>
+                            <p:childTnLst>
+                              <p:par>
+                                <p:cTn id="11" presetID="1" presetClass="entr" presetSubtype="0" fill="hold" grpId="0" nodeType="clickEffect">
+                                  <p:stCondLst>
+                                    <p:cond delay="0"/>
+                                  </p:stCondLst>
+                                  <p:childTnLst>
+                                    <p:set>
+                                      <p:cBhvr>
+                                        <p:cTn id="12" dur="1" fill="hold">
+                                          <p:stCondLst>
+                                            <p:cond delay="0"/>
+                                          </p:stCondLst>
+                                        </p:cTn>
+                                        <p:tgtEl>
+                                          <p:spTgt spid="9"/>
+                                        </p:tgtEl>
+                                        <p:attrNameLst>
+                                          <p:attrName>style.visibility</p:attrName>
+                                        </p:attrNameLst>
+                                      </p:cBhvr>
+                                      <p:to>
+                                        <p:strVal val="visible"/>
+                                      </p:to>
+                                    </p:set>
+                                  </p:childTnLst>
+                                </p:cTn>
+                              </p:par>
+                              <p:par>
+                                <p:cTn id="13" presetID="1" presetClass="entr" presetSubtype="0" fill="hold" nodeType="withEffect">
+                                  <p:stCondLst>
+                                    <p:cond delay="0"/>
+                                  </p:stCondLst>
+                                  <p:childTnLst>
+                                    <p:set>
+                                      <p:cBhvr>
+                                        <p:cTn id="14" dur="1" fill="hold">
+                                          <p:stCondLst>
+                                            <p:cond delay="0"/>
+                                          </p:stCondLst>
+                                        </p:cTn>
+                                        <p:tgtEl>
+                                          <p:spTgt spid="7"/>
+                                        </p:tgtEl>
+                                        <p:attrNameLst>
+                                          <p:attrName>style.visibility</p:attrName>
+                                        </p:attrNameLst>
+                                      </p:cBhvr>
+                                      <p:to>
+                                        <p:strVal val="visible"/>
+                                      </p:to>
+                                    </p:set>
+                                  </p:childTnLst>
+                                </p:cTn>
+                              </p:par>
+                            </p:childTnLst>
+                          </p:cTn>
+                        </p:par>
+                      </p:childTnLst>
+                    </p:cTn>
+                  </p:par>
+                </p:childTnLst>
+              </p:cTn>
+              <p:prevCondLst>
+                <p:cond evt="onPrev" delay="0">
+                  <p:tgtEl>
+                    <p:sldTgt/>
+                  </p:tgtEl>
+                </p:cond>
+              </p:prevCondLst>
+              <p:nextCondLst>
+                <p:cond evt="onNext" delay="0">
+                  <p:tgtEl>
+                    <p:sldTgt/>
+                  </p:tgtEl>
+                </p:cond>
+              </p:nextCondLst>
+            </p:seq>
+          </p:childTnLst>
+        </p:cTn>
+      </p:par>
+    </p:tnLst>
+    <p:bldLst>
+      <p:bldP spid="6" grpId="0"/>
+      <p:bldP spid="9" grpId="0"/>
+    </p:bldLst>
+  </p:timing>
+</p:sld>
+</file>
+
+<file path=ppt/slides/slide6.xml><?xml version="1.0" encoding="utf-8"?>
+<p:sld xmlns:a="http://schemas.openxmlformats.org/drawingml/2006/main" xmlns:r="http://schemas.openxmlformats.org/officeDocument/2006/relationships" xmlns:p="http://schemas.openxmlformats.org/presentationml/2006/main">
+  <p:cSld>
+    <p:spTree>
+      <p:nvGrpSpPr>
+        <p:cNvPr id="1" name=""/>
+        <p:cNvGrpSpPr/>
+        <p:nvPr/>
+      </p:nvGrpSpPr>
+      <p:grpSpPr>
+        <a:xfrm>
+          <a:off x="0" y="0"/>
+          <a:ext cx="0" cy="0"/>
+          <a:chOff x="0" y="0"/>
+          <a:chExt cx="0" cy="0"/>
+        </a:xfrm>
+      </p:grpSpPr>
+      <p:sp>
+        <p:nvSpPr>
+          <p:cNvPr id="2" name="Titel 1">
+            <a:extLst>
+              <a:ext uri="{FF2B5EF4-FFF2-40B4-BE49-F238E27FC236}">
+                <a16:creationId xmlns:a16="http://schemas.microsoft.com/office/drawing/2014/main" id="{9F3C8A86-7CD0-475F-A32B-BA4A4C01211E}"/>
+              </a:ext>
+            </a:extLst>
+          </p:cNvPr>
+          <p:cNvSpPr>
+            <a:spLocks noGrp="1"/>
+          </p:cNvSpPr>
+          <p:nvPr>
+            <p:ph type="title"/>
+          </p:nvPr>
+        </p:nvSpPr>
+        <p:spPr/>
+        <p:txBody>
+          <a:bodyPr/>
+          <a:lstStyle/>
+          <a:p>
+            <a:r>
+              <a:rPr lang="en-GB" dirty="0"/>
+              <a:t>2 Filling the Gap</a:t>
+            </a:r>
+          </a:p>
+        </p:txBody>
+      </p:sp>
+      <p:sp>
+        <p:nvSpPr>
+          <p:cNvPr id="3" name="Inhaltsplatzhalter 2">
+            <a:extLst>
+              <a:ext uri="{FF2B5EF4-FFF2-40B4-BE49-F238E27FC236}">
+                <a16:creationId xmlns:a16="http://schemas.microsoft.com/office/drawing/2014/main" id="{318EDB89-DE55-4963-9E99-E3FF9E6C6C8D}"/>
+              </a:ext>
+            </a:extLst>
+          </p:cNvPr>
+          <p:cNvSpPr>
+            <a:spLocks noGrp="1"/>
+          </p:cNvSpPr>
+          <p:nvPr>
+            <p:ph idx="1"/>
+          </p:nvPr>
+        </p:nvSpPr>
+        <p:spPr>
+          <a:xfrm>
+            <a:off x="875201" y="1719898"/>
+            <a:ext cx="10315538" cy="4552034"/>
+          </a:xfrm>
+        </p:spPr>
+        <p:txBody>
+          <a:bodyPr>
+            <a:normAutofit/>
+          </a:bodyPr>
+          <a:lstStyle/>
+          <a:p>
+            <a:pPr marL="0" indent="0">
+              <a:buNone/>
+            </a:pPr>
+            <a:endParaRPr lang="en-GB" sz="1400" dirty="0">
+              <a:sym typeface="Wingdings" panose="05000000000000000000" pitchFamily="2" charset="2"/>
+            </a:endParaRPr>
+          </a:p>
+        </p:txBody>
+      </p:sp>
+      <p:sp>
+        <p:nvSpPr>
+          <p:cNvPr id="4" name="Foliennummernplatzhalter 3">
+            <a:extLst>
+              <a:ext uri="{FF2B5EF4-FFF2-40B4-BE49-F238E27FC236}">
+                <a16:creationId xmlns:a16="http://schemas.microsoft.com/office/drawing/2014/main" id="{3130F314-27DD-4620-AD62-8E57F22EDEAE}"/>
+              </a:ext>
+            </a:extLst>
+          </p:cNvPr>
+          <p:cNvSpPr>
+            <a:spLocks noGrp="1"/>
+          </p:cNvSpPr>
+          <p:nvPr>
+            <p:ph type="sldNum" sz="quarter" idx="12"/>
+          </p:nvPr>
+        </p:nvSpPr>
+        <p:spPr/>
+        <p:txBody>
+          <a:bodyPr/>
+          <a:lstStyle/>
+          <a:p>
+            <a:fld id="{D57F1E4F-1CFF-5643-939E-02111984F565}" type="slidenum">
+              <a:rPr lang="en-GB" smtClean="0"/>
+              <a:t>6</a:t>
+            </a:fld>
+            <a:endParaRPr lang="en-GB"/>
+          </a:p>
+        </p:txBody>
+      </p:sp>
+    </p:spTree>
+    <p:extLst>
+      <p:ext uri="{BB962C8B-B14F-4D97-AF65-F5344CB8AC3E}">
+        <p14:creationId xmlns:p14="http://schemas.microsoft.com/office/powerpoint/2010/main" val="3997032268"/>
+      </p:ext>
+    </p:extLst>
+  </p:cSld>
+  <p:clrMapOvr>
+    <a:masterClrMapping/>
+  </p:clrMapOvr>
+</p:sld>
+</file>
+
+<file path=ppt/slides/slide7.xml><?xml version="1.0" encoding="utf-8"?>
+<p:sld xmlns:a="http://schemas.openxmlformats.org/drawingml/2006/main" xmlns:r="http://schemas.openxmlformats.org/officeDocument/2006/relationships" xmlns:p="http://schemas.openxmlformats.org/presentationml/2006/main">
+  <p:cSld>
+    <p:spTree>
+      <p:nvGrpSpPr>
+        <p:cNvPr id="1" name=""/>
+        <p:cNvGrpSpPr/>
+        <p:nvPr/>
+      </p:nvGrpSpPr>
+      <p:grpSpPr>
+        <a:xfrm>
+          <a:off x="0" y="0"/>
+          <a:ext cx="0" cy="0"/>
+          <a:chOff x="0" y="0"/>
+          <a:chExt cx="0" cy="0"/>
+        </a:xfrm>
+      </p:grpSpPr>
+      <p:sp>
+        <p:nvSpPr>
+          <p:cNvPr id="2" name="Titel 1">
+            <a:extLst>
+              <a:ext uri="{FF2B5EF4-FFF2-40B4-BE49-F238E27FC236}">
+                <a16:creationId xmlns:a16="http://schemas.microsoft.com/office/drawing/2014/main" id="{56FB6BA6-26C3-4BC2-AC5F-00D976BEED0D}"/>
+              </a:ext>
+            </a:extLst>
+          </p:cNvPr>
+          <p:cNvSpPr>
+            <a:spLocks noGrp="1"/>
+          </p:cNvSpPr>
+          <p:nvPr>
+            <p:ph type="title"/>
+          </p:nvPr>
+        </p:nvSpPr>
+        <p:spPr/>
+        <p:txBody>
+          <a:bodyPr/>
+          <a:lstStyle/>
+          <a:p>
+            <a:r>
+              <a:rPr lang="en-GB" dirty="0"/>
+              <a:t>Data</a:t>
+            </a:r>
+          </a:p>
+        </p:txBody>
+      </p:sp>
+      <p:sp>
+        <p:nvSpPr>
+          <p:cNvPr id="3" name="Inhaltsplatzhalter 2">
+            <a:extLst>
+              <a:ext uri="{FF2B5EF4-FFF2-40B4-BE49-F238E27FC236}">
+                <a16:creationId xmlns:a16="http://schemas.microsoft.com/office/drawing/2014/main" id="{700DB53A-2EC4-4EC5-A109-4F7A412D562F}"/>
+              </a:ext>
+            </a:extLst>
+          </p:cNvPr>
+          <p:cNvSpPr>
+            <a:spLocks noGrp="1"/>
+          </p:cNvSpPr>
+          <p:nvPr>
+            <p:ph idx="1"/>
+          </p:nvPr>
+        </p:nvSpPr>
+        <p:spPr/>
+        <p:txBody>
+          <a:bodyPr/>
+          <a:lstStyle/>
+          <a:p>
+            <a:endParaRPr lang="en-GB"/>
+          </a:p>
+        </p:txBody>
+      </p:sp>
+      <p:sp>
+        <p:nvSpPr>
+          <p:cNvPr id="4" name="Foliennummernplatzhalter 3">
+            <a:extLst>
+              <a:ext uri="{FF2B5EF4-FFF2-40B4-BE49-F238E27FC236}">
+                <a16:creationId xmlns:a16="http://schemas.microsoft.com/office/drawing/2014/main" id="{8CB48155-030C-4EBE-8503-59D4D8A7F172}"/>
+              </a:ext>
+            </a:extLst>
+          </p:cNvPr>
+          <p:cNvSpPr>
+            <a:spLocks noGrp="1"/>
+          </p:cNvSpPr>
+          <p:nvPr>
+            <p:ph type="sldNum" sz="quarter" idx="12"/>
+          </p:nvPr>
+        </p:nvSpPr>
+        <p:spPr/>
+        <p:txBody>
+          <a:bodyPr/>
+          <a:lstStyle/>
+          <a:p>
+            <a:fld id="{D57F1E4F-1CFF-5643-939E-02111984F565}" type="slidenum">
+              <a:rPr lang="en-US" smtClean="0"/>
+              <a:t>7</a:t>
+            </a:fld>
+            <a:endParaRPr lang="en-US" dirty="0"/>
+          </a:p>
+        </p:txBody>
+      </p:sp>
+    </p:spTree>
+    <p:extLst>
+      <p:ext uri="{BB962C8B-B14F-4D97-AF65-F5344CB8AC3E}">
+        <p14:creationId xmlns:p14="http://schemas.microsoft.com/office/powerpoint/2010/main" val="2622328348"/>
+      </p:ext>
+    </p:extLst>
+  </p:cSld>
+  <p:clrMapOvr>
+    <a:masterClrMapping/>
+  </p:clrMapOvr>
+</p:sld>
+</file>
+
+<file path=ppt/slides/slide8.xml><?xml version="1.0" encoding="utf-8"?>
+<p:sld xmlns:a="http://schemas.openxmlformats.org/drawingml/2006/main" xmlns:r="http://schemas.openxmlformats.org/officeDocument/2006/relationships" xmlns:p="http://schemas.openxmlformats.org/presentationml/2006/main">
+  <p:cSld>
+    <p:spTree>
+      <p:nvGrpSpPr>
+        <p:cNvPr id="1" name=""/>
+        <p:cNvGrpSpPr/>
+        <p:nvPr/>
+      </p:nvGrpSpPr>
+      <p:grpSpPr>
+        <a:xfrm>
+          <a:off x="0" y="0"/>
+          <a:ext cx="0" cy="0"/>
+          <a:chOff x="0" y="0"/>
+          <a:chExt cx="0" cy="0"/>
+        </a:xfrm>
+      </p:grpSpPr>
+      <p:sp>
+        <p:nvSpPr>
+          <p:cNvPr id="2" name="Titel 1">
+            <a:extLst>
+              <a:ext uri="{FF2B5EF4-FFF2-40B4-BE49-F238E27FC236}">
+                <a16:creationId xmlns:a16="http://schemas.microsoft.com/office/drawing/2014/main" id="{D5CB1A31-FB8B-44D2-9390-68C0B25718AA}"/>
+              </a:ext>
+            </a:extLst>
+          </p:cNvPr>
+          <p:cNvSpPr>
+            <a:spLocks noGrp="1"/>
+          </p:cNvSpPr>
+          <p:nvPr>
+            <p:ph type="title"/>
+          </p:nvPr>
+        </p:nvSpPr>
+        <p:spPr/>
+        <p:txBody>
+          <a:bodyPr/>
+          <a:lstStyle/>
+          <a:p>
+            <a:r>
+              <a:rPr lang="en-GB" dirty="0"/>
+              <a:t>Methodology </a:t>
+            </a:r>
+            <a:br>
+              <a:rPr lang="en-GB" dirty="0"/>
+            </a:br>
+            <a:endParaRPr lang="en-GB" dirty="0"/>
+          </a:p>
+        </p:txBody>
+      </p:sp>
+      <p:sp>
+        <p:nvSpPr>
+          <p:cNvPr id="3" name="Inhaltsplatzhalter 2">
+            <a:extLst>
+              <a:ext uri="{FF2B5EF4-FFF2-40B4-BE49-F238E27FC236}">
+                <a16:creationId xmlns:a16="http://schemas.microsoft.com/office/drawing/2014/main" id="{D71640E1-0812-4F63-BAF7-60E519003AD0}"/>
+              </a:ext>
+            </a:extLst>
+          </p:cNvPr>
+          <p:cNvSpPr>
+            <a:spLocks noGrp="1"/>
+          </p:cNvSpPr>
+          <p:nvPr>
+            <p:ph idx="1"/>
+          </p:nvPr>
+        </p:nvSpPr>
+        <p:spPr/>
+        <p:txBody>
+          <a:bodyPr/>
+          <a:lstStyle/>
+          <a:p>
+            <a:endParaRPr lang="en-GB"/>
+          </a:p>
+        </p:txBody>
+      </p:sp>
+      <p:sp>
+        <p:nvSpPr>
+          <p:cNvPr id="4" name="Foliennummernplatzhalter 3">
+            <a:extLst>
+              <a:ext uri="{FF2B5EF4-FFF2-40B4-BE49-F238E27FC236}">
+                <a16:creationId xmlns:a16="http://schemas.microsoft.com/office/drawing/2014/main" id="{CF3F38D1-BB11-4B0E-9817-ED2E4C68CB1A}"/>
+              </a:ext>
+            </a:extLst>
+          </p:cNvPr>
+          <p:cNvSpPr>
+            <a:spLocks noGrp="1"/>
+          </p:cNvSpPr>
+          <p:nvPr>
+            <p:ph type="sldNum" sz="quarter" idx="12"/>
+          </p:nvPr>
+        </p:nvSpPr>
+        <p:spPr/>
+        <p:txBody>
+          <a:bodyPr/>
+          <a:lstStyle/>
+          <a:p>
+            <a:fld id="{D57F1E4F-1CFF-5643-939E-02111984F565}" type="slidenum">
+              <a:rPr lang="en-US" smtClean="0"/>
+              <a:t>8</a:t>
+            </a:fld>
+            <a:endParaRPr lang="en-US" dirty="0"/>
+          </a:p>
+        </p:txBody>
+      </p:sp>
+    </p:spTree>
+    <p:extLst>
+      <p:ext uri="{BB962C8B-B14F-4D97-AF65-F5344CB8AC3E}">
+        <p14:creationId xmlns:p14="http://schemas.microsoft.com/office/powerpoint/2010/main" val="1767938057"/>
+      </p:ext>
+    </p:extLst>
+  </p:cSld>
+  <p:clrMapOvr>
+    <a:masterClrMapping/>
+  </p:clrMapOvr>
+</p:sld>
+</file>
+
+<file path=ppt/slides/slide9.xml><?xml version="1.0" encoding="utf-8"?>
+<p:sld xmlns:a="http://schemas.openxmlformats.org/drawingml/2006/main" xmlns:r="http://schemas.openxmlformats.org/officeDocument/2006/relationships" xmlns:p="http://schemas.openxmlformats.org/presentationml/2006/main">
+  <p:cSld>
+    <p:spTree>
+      <p:nvGrpSpPr>
+        <p:cNvPr id="1" name=""/>
+        <p:cNvGrpSpPr/>
+        <p:nvPr/>
+      </p:nvGrpSpPr>
+      <p:grpSpPr>
+        <a:xfrm>
+          <a:off x="0" y="0"/>
+          <a:ext cx="0" cy="0"/>
+          <a:chOff x="0" y="0"/>
+          <a:chExt cx="0" cy="0"/>
+        </a:xfrm>
+      </p:grpSpPr>
+      <p:sp>
+        <p:nvSpPr>
+          <p:cNvPr id="2" name="Titel 1">
+            <a:extLst>
+              <a:ext uri="{FF2B5EF4-FFF2-40B4-BE49-F238E27FC236}">
+                <a16:creationId xmlns:a16="http://schemas.microsoft.com/office/drawing/2014/main" id="{3CE75202-6D96-418A-86BE-C0DD2E940939}"/>
+              </a:ext>
+            </a:extLst>
+          </p:cNvPr>
+          <p:cNvSpPr>
+            <a:spLocks noGrp="1"/>
+          </p:cNvSpPr>
+          <p:nvPr>
+            <p:ph type="title"/>
+          </p:nvPr>
+        </p:nvSpPr>
+        <p:spPr/>
+        <p:txBody>
+          <a:bodyPr/>
+          <a:lstStyle/>
+          <a:p>
+            <a:r>
+              <a:rPr lang="en-GB" dirty="0"/>
+              <a:t>Results</a:t>
+            </a:r>
+          </a:p>
+        </p:txBody>
+      </p:sp>
+      <p:sp>
+        <p:nvSpPr>
+          <p:cNvPr id="3" name="Inhaltsplatzhalter 2">
+            <a:extLst>
+              <a:ext uri="{FF2B5EF4-FFF2-40B4-BE49-F238E27FC236}">
+                <a16:creationId xmlns:a16="http://schemas.microsoft.com/office/drawing/2014/main" id="{8C7020D7-BCEA-46D6-BB2D-34A4F0ECE63C}"/>
+              </a:ext>
+            </a:extLst>
+          </p:cNvPr>
+          <p:cNvSpPr>
+            <a:spLocks noGrp="1"/>
+          </p:cNvSpPr>
+          <p:nvPr>
+            <p:ph idx="1"/>
+          </p:nvPr>
+        </p:nvSpPr>
+        <p:spPr/>
+        <p:txBody>
+          <a:bodyPr/>
+          <a:lstStyle/>
+          <a:p>
+            <a:pPr marL="0" indent="0">
+              <a:buNone/>
+            </a:pPr>
+            <a:endParaRPr lang="en-GB" b="1" dirty="0"/>
+          </a:p>
+        </p:txBody>
+      </p:sp>
+      <p:sp>
+        <p:nvSpPr>
+          <p:cNvPr id="4" name="Foliennummernplatzhalter 3">
+            <a:extLst>
+              <a:ext uri="{FF2B5EF4-FFF2-40B4-BE49-F238E27FC236}">
+                <a16:creationId xmlns:a16="http://schemas.microsoft.com/office/drawing/2014/main" id="{9542D3F0-5541-48C2-849B-067ED3D1115C}"/>
+              </a:ext>
+            </a:extLst>
+          </p:cNvPr>
+          <p:cNvSpPr>
+            <a:spLocks noGrp="1"/>
+          </p:cNvSpPr>
+          <p:nvPr>
+            <p:ph type="sldNum" sz="quarter" idx="12"/>
+          </p:nvPr>
+        </p:nvSpPr>
+        <p:spPr/>
+        <p:txBody>
+          <a:bodyPr/>
+          <a:lstStyle/>
+          <a:p>
+            <a:fld id="{D57F1E4F-1CFF-5643-939E-02111984F565}" type="slidenum">
+              <a:rPr lang="en-US" smtClean="0"/>
+              <a:t>9</a:t>
+            </a:fld>
+            <a:endParaRPr lang="en-US" dirty="0"/>
+          </a:p>
+        </p:txBody>
+      </p:sp>
+    </p:spTree>
+    <p:extLst>
+      <p:ext uri="{BB962C8B-B14F-4D97-AF65-F5344CB8AC3E}">
+        <p14:creationId xmlns:p14="http://schemas.microsoft.com/office/powerpoint/2010/main" val="2108385500"/>
       </p:ext>
     </p:extLst>
   </p:cSld>
